--- a/2 - MongoDB/Reserva de Bilhetes.pptx
+++ b/2 - MongoDB/Reserva de Bilhetes.pptx
@@ -5,7 +5,7 @@
     <p:sldMasterId id="2147483840" r:id="rId1"/>
   </p:sldMasterIdLst>
   <p:notesMasterIdLst>
-    <p:notesMasterId r:id="rId18"/>
+    <p:notesMasterId r:id="rId19"/>
   </p:notesMasterIdLst>
   <p:sldIdLst>
     <p:sldId id="256" r:id="rId2"/>
@@ -24,6 +24,7 @@
     <p:sldId id="270" r:id="rId15"/>
     <p:sldId id="271" r:id="rId16"/>
     <p:sldId id="272" r:id="rId17"/>
+    <p:sldId id="273" r:id="rId18"/>
   </p:sldIdLst>
   <p:sldSz cx="12192000" cy="6858000"/>
   <p:notesSz cx="6858000" cy="9144000"/>
@@ -122,6 +123,11 @@
       </a:defRPr>
     </a:lvl9pPr>
   </p:defaultTextStyle>
+  <p:extLst>
+    <p:ext uri="{EFAFB233-063F-42B5-8137-9DF3F51BA10A}">
+      <p15:sldGuideLst xmlns:p15="http://schemas.microsoft.com/office/powerpoint/2012/main"/>
+    </p:ext>
+  </p:extLst>
 </p:presentation>
 </file>
 
@@ -219,7 +225,7 @@
           <a:p>
             <a:fld id="{D93ED577-AF93-4954-A974-C7058D6D9E08}" type="datetimeFigureOut">
               <a:rPr lang="pt-PT" smtClean="0"/>
-              <a:t>26/01/2017</a:t>
+              <a:t>27/01/2017</a:t>
             </a:fld>
             <a:endParaRPr lang="pt-PT"/>
           </a:p>
@@ -532,10 +538,37 @@
           <a:lstStyle/>
           <a:p>
             <a:r>
-              <a:rPr lang="pt-PT" dirty="0" err="1" smtClean="0"/>
-              <a:t>ssdfsdfsdfsdfsdfsd</a:t>
-            </a:r>
-            <a:endParaRPr lang="pt-PT" dirty="0"/>
+              <a:rPr lang="pt-PT" dirty="0" smtClean="0"/>
+              <a:t>Boa</a:t>
+            </a:r>
+            <a:r>
+              <a:rPr lang="pt-PT" baseline="0" dirty="0" smtClean="0"/>
+              <a:t> tarde,</a:t>
+            </a:r>
+          </a:p>
+          <a:p>
+            <a:endParaRPr lang="pt-PT" baseline="0" dirty="0" smtClean="0"/>
+          </a:p>
+          <a:p>
+            <a:r>
+              <a:rPr lang="pt-PT" baseline="0" dirty="0" smtClean="0"/>
+              <a:t>eu, João Reis, conjunto com João Gomes e Tiago Fraga constituímos o grupo 57 da unidade curricular base de dados.</a:t>
+            </a:r>
+          </a:p>
+          <a:p>
+            <a:r>
+              <a:rPr lang="pt-PT" baseline="0" dirty="0" smtClean="0"/>
+              <a:t>Como parte da avaliação prática da UC foi-nos encarregue de desenvolver-mos dois tipos de base de dados – uma relacional, trabalhando sobre MySQL e outra orientada a documentos, em MongoDB.</a:t>
+            </a:r>
+          </a:p>
+          <a:p>
+            <a:endParaRPr lang="pt-PT" baseline="0" dirty="0" smtClean="0"/>
+          </a:p>
+          <a:p>
+            <a:r>
+              <a:rPr lang="pt-PT" baseline="0" dirty="0" smtClean="0"/>
+              <a:t>Ao longo desta apresentação abordamos de que modo as concebemos, desde a sua criação aos detalhes existentes.</a:t>
+            </a:r>
           </a:p>
         </p:txBody>
       </p:sp>
@@ -566,6 +599,1147 @@
     <p:extLst>
       <p:ext uri="{BB962C8B-B14F-4D97-AF65-F5344CB8AC3E}">
         <p14:creationId xmlns:p14="http://schemas.microsoft.com/office/powerpoint/2010/main" val="1058398610"/>
+      </p:ext>
+    </p:extLst>
+  </p:cSld>
+  <p:clrMapOvr>
+    <a:masterClrMapping/>
+  </p:clrMapOvr>
+</p:notes>
+</file>
+
+<file path=ppt/notesSlides/notesSlide10.xml><?xml version="1.0" encoding="utf-8"?>
+<p:notes xmlns:a="http://schemas.openxmlformats.org/drawingml/2006/main" xmlns:r="http://schemas.openxmlformats.org/officeDocument/2006/relationships" xmlns:p="http://schemas.openxmlformats.org/presentationml/2006/main">
+  <p:cSld>
+    <p:spTree>
+      <p:nvGrpSpPr>
+        <p:cNvPr id="1" name=""/>
+        <p:cNvGrpSpPr/>
+        <p:nvPr/>
+      </p:nvGrpSpPr>
+      <p:grpSpPr>
+        <a:xfrm>
+          <a:off x="0" y="0"/>
+          <a:ext cx="0" cy="0"/>
+          <a:chOff x="0" y="0"/>
+          <a:chExt cx="0" cy="0"/>
+        </a:xfrm>
+      </p:grpSpPr>
+      <p:sp>
+        <p:nvSpPr>
+          <p:cNvPr id="2" name="Marcador de Posição da Imagem do Diapositivo 1"/>
+          <p:cNvSpPr>
+            <a:spLocks noGrp="1" noRot="1" noChangeAspect="1"/>
+          </p:cNvSpPr>
+          <p:nvPr>
+            <p:ph type="sldImg"/>
+          </p:nvPr>
+        </p:nvSpPr>
+        <p:spPr/>
+      </p:sp>
+      <p:sp>
+        <p:nvSpPr>
+          <p:cNvPr id="3" name="Marcador de Posição de Notas 2"/>
+          <p:cNvSpPr>
+            <a:spLocks noGrp="1"/>
+          </p:cNvSpPr>
+          <p:nvPr>
+            <p:ph type="body" idx="1"/>
+          </p:nvPr>
+        </p:nvSpPr>
+        <p:spPr/>
+        <p:txBody>
+          <a:bodyPr/>
+          <a:lstStyle/>
+          <a:p>
+            <a:r>
+              <a:rPr lang="pt-PT" dirty="0" smtClean="0"/>
+              <a:t>[explicar]</a:t>
+            </a:r>
+            <a:endParaRPr lang="pt-PT" dirty="0"/>
+          </a:p>
+        </p:txBody>
+      </p:sp>
+      <p:sp>
+        <p:nvSpPr>
+          <p:cNvPr id="4" name="Marcador de Posição do Número do Diapositivo 3"/>
+          <p:cNvSpPr>
+            <a:spLocks noGrp="1"/>
+          </p:cNvSpPr>
+          <p:nvPr>
+            <p:ph type="sldNum" sz="quarter" idx="10"/>
+          </p:nvPr>
+        </p:nvSpPr>
+        <p:spPr/>
+        <p:txBody>
+          <a:bodyPr/>
+          <a:lstStyle/>
+          <a:p>
+            <a:fld id="{A5877D2F-0EDF-4B34-9DA8-9C05239D1FC8}" type="slidenum">
+              <a:rPr lang="pt-PT" smtClean="0"/>
+              <a:t>10</a:t>
+            </a:fld>
+            <a:endParaRPr lang="pt-PT"/>
+          </a:p>
+        </p:txBody>
+      </p:sp>
+    </p:spTree>
+    <p:extLst>
+      <p:ext uri="{BB962C8B-B14F-4D97-AF65-F5344CB8AC3E}">
+        <p14:creationId xmlns:p14="http://schemas.microsoft.com/office/powerpoint/2010/main" val="1726509977"/>
+      </p:ext>
+    </p:extLst>
+  </p:cSld>
+  <p:clrMapOvr>
+    <a:masterClrMapping/>
+  </p:clrMapOvr>
+</p:notes>
+</file>
+
+<file path=ppt/notesSlides/notesSlide11.xml><?xml version="1.0" encoding="utf-8"?>
+<p:notes xmlns:a="http://schemas.openxmlformats.org/drawingml/2006/main" xmlns:r="http://schemas.openxmlformats.org/officeDocument/2006/relationships" xmlns:p="http://schemas.openxmlformats.org/presentationml/2006/main">
+  <p:cSld>
+    <p:spTree>
+      <p:nvGrpSpPr>
+        <p:cNvPr id="1" name=""/>
+        <p:cNvGrpSpPr/>
+        <p:nvPr/>
+      </p:nvGrpSpPr>
+      <p:grpSpPr>
+        <a:xfrm>
+          <a:off x="0" y="0"/>
+          <a:ext cx="0" cy="0"/>
+          <a:chOff x="0" y="0"/>
+          <a:chExt cx="0" cy="0"/>
+        </a:xfrm>
+      </p:grpSpPr>
+      <p:sp>
+        <p:nvSpPr>
+          <p:cNvPr id="2" name="Marcador de Posição da Imagem do Diapositivo 1"/>
+          <p:cNvSpPr>
+            <a:spLocks noGrp="1" noRot="1" noChangeAspect="1"/>
+          </p:cNvSpPr>
+          <p:nvPr>
+            <p:ph type="sldImg"/>
+          </p:nvPr>
+        </p:nvSpPr>
+        <p:spPr/>
+      </p:sp>
+      <p:sp>
+        <p:nvSpPr>
+          <p:cNvPr id="3" name="Marcador de Posição de Notas 2"/>
+          <p:cNvSpPr>
+            <a:spLocks noGrp="1"/>
+          </p:cNvSpPr>
+          <p:nvPr>
+            <p:ph type="body" idx="1"/>
+          </p:nvPr>
+        </p:nvSpPr>
+        <p:spPr/>
+        <p:txBody>
+          <a:bodyPr/>
+          <a:lstStyle/>
+          <a:p>
+            <a:r>
+              <a:rPr lang="pt-PT" dirty="0" smtClean="0"/>
+              <a:t>Relativamente</a:t>
+            </a:r>
+            <a:r>
+              <a:rPr lang="pt-PT" baseline="0" dirty="0" smtClean="0"/>
+              <a:t> à segunda e ultima parte do trabalho aborda-me uma base de dados orientada a documentos, MongoDB.</a:t>
+            </a:r>
+          </a:p>
+          <a:p>
+            <a:endParaRPr lang="pt-PT" baseline="0" dirty="0" smtClean="0"/>
+          </a:p>
+          <a:p>
+            <a:r>
+              <a:rPr lang="pt-PT" baseline="0" dirty="0" smtClean="0"/>
+              <a:t>Embora tenha sido uma tarefa muito mais simples comparativamente à anterior, teve a sua estruturação e planeamento, que irá ser demonstrada a seguir.</a:t>
+            </a:r>
+            <a:endParaRPr lang="pt-PT" dirty="0"/>
+          </a:p>
+        </p:txBody>
+      </p:sp>
+      <p:sp>
+        <p:nvSpPr>
+          <p:cNvPr id="4" name="Marcador de Posição do Número do Diapositivo 3"/>
+          <p:cNvSpPr>
+            <a:spLocks noGrp="1"/>
+          </p:cNvSpPr>
+          <p:nvPr>
+            <p:ph type="sldNum" sz="quarter" idx="10"/>
+          </p:nvPr>
+        </p:nvSpPr>
+        <p:spPr/>
+        <p:txBody>
+          <a:bodyPr/>
+          <a:lstStyle/>
+          <a:p>
+            <a:fld id="{A5877D2F-0EDF-4B34-9DA8-9C05239D1FC8}" type="slidenum">
+              <a:rPr lang="pt-PT" smtClean="0"/>
+              <a:t>11</a:t>
+            </a:fld>
+            <a:endParaRPr lang="pt-PT"/>
+          </a:p>
+        </p:txBody>
+      </p:sp>
+    </p:spTree>
+    <p:extLst>
+      <p:ext uri="{BB962C8B-B14F-4D97-AF65-F5344CB8AC3E}">
+        <p14:creationId xmlns:p14="http://schemas.microsoft.com/office/powerpoint/2010/main" val="804506477"/>
+      </p:ext>
+    </p:extLst>
+  </p:cSld>
+  <p:clrMapOvr>
+    <a:masterClrMapping/>
+  </p:clrMapOvr>
+</p:notes>
+</file>
+
+<file path=ppt/notesSlides/notesSlide12.xml><?xml version="1.0" encoding="utf-8"?>
+<p:notes xmlns:a="http://schemas.openxmlformats.org/drawingml/2006/main" xmlns:r="http://schemas.openxmlformats.org/officeDocument/2006/relationships" xmlns:p="http://schemas.openxmlformats.org/presentationml/2006/main">
+  <p:cSld>
+    <p:spTree>
+      <p:nvGrpSpPr>
+        <p:cNvPr id="1" name=""/>
+        <p:cNvGrpSpPr/>
+        <p:nvPr/>
+      </p:nvGrpSpPr>
+      <p:grpSpPr>
+        <a:xfrm>
+          <a:off x="0" y="0"/>
+          <a:ext cx="0" cy="0"/>
+          <a:chOff x="0" y="0"/>
+          <a:chExt cx="0" cy="0"/>
+        </a:xfrm>
+      </p:grpSpPr>
+      <p:sp>
+        <p:nvSpPr>
+          <p:cNvPr id="2" name="Marcador de Posição da Imagem do Diapositivo 1"/>
+          <p:cNvSpPr>
+            <a:spLocks noGrp="1" noRot="1" noChangeAspect="1"/>
+          </p:cNvSpPr>
+          <p:nvPr>
+            <p:ph type="sldImg"/>
+          </p:nvPr>
+        </p:nvSpPr>
+        <p:spPr/>
+      </p:sp>
+      <p:sp>
+        <p:nvSpPr>
+          <p:cNvPr id="3" name="Marcador de Posição de Notas 2"/>
+          <p:cNvSpPr>
+            <a:spLocks noGrp="1"/>
+          </p:cNvSpPr>
+          <p:nvPr>
+            <p:ph type="body" idx="1"/>
+          </p:nvPr>
+        </p:nvSpPr>
+        <p:spPr/>
+        <p:txBody>
+          <a:bodyPr/>
+          <a:lstStyle/>
+          <a:p>
+            <a:r>
+              <a:rPr lang="pt-PT" dirty="0" smtClean="0"/>
+              <a:t>[ler]</a:t>
+            </a:r>
+          </a:p>
+          <a:p>
+            <a:endParaRPr lang="pt-PT" dirty="0" smtClean="0"/>
+          </a:p>
+          <a:p>
+            <a:r>
+              <a:rPr lang="pt-PT" sz="1200" kern="1200" dirty="0" smtClean="0">
+                <a:solidFill>
+                  <a:schemeClr val="tx1"/>
+                </a:solidFill>
+                <a:effectLst/>
+                <a:latin typeface="+mn-lt"/>
+                <a:ea typeface="+mn-ea"/>
+                <a:cs typeface="+mn-cs"/>
+              </a:rPr>
+              <a:t>De modo a solucionar o problema, a equipa decidiu migrar os dados relativos aos bilhetes para uma nova base de dados orientada a documentos, MongoDB. Para tal, criou-se um script em Java que conectado à base de dados MySQL, colocava de forma organizada na base de dados MongoDB.</a:t>
+            </a:r>
+          </a:p>
+          <a:p>
+            <a:r>
+              <a:rPr lang="pt-PT" sz="1200" kern="1200" dirty="0" smtClean="0">
+                <a:solidFill>
+                  <a:schemeClr val="tx1"/>
+                </a:solidFill>
+                <a:effectLst/>
+                <a:latin typeface="+mn-lt"/>
+                <a:ea typeface="+mn-ea"/>
+                <a:cs typeface="+mn-cs"/>
+              </a:rPr>
+              <a:t>O pedido da administração da empresa, foi também migrada os dados comboios existentes, de modo poder imprimi-los e coloca-los na estação. Posteriormente, também os utilizadores tiveram o mesmo tratamento em caso de necessidade futura.</a:t>
+            </a:r>
+          </a:p>
+          <a:p>
+            <a:r>
+              <a:rPr lang="pt-PT" sz="1200" kern="1200" dirty="0" smtClean="0">
+                <a:solidFill>
+                  <a:schemeClr val="tx1"/>
+                </a:solidFill>
+                <a:effectLst/>
+                <a:latin typeface="+mn-lt"/>
+                <a:ea typeface="+mn-ea"/>
+                <a:cs typeface="+mn-cs"/>
+              </a:rPr>
+              <a:t>O problema agora trata-se apenas da estruturação dos documentos que o script colocaria na base de dados MongoDB.</a:t>
+            </a:r>
+          </a:p>
+          <a:p>
+            <a:endParaRPr lang="pt-PT" dirty="0" smtClean="0"/>
+          </a:p>
+          <a:p>
+            <a:endParaRPr lang="pt-PT" dirty="0" smtClean="0"/>
+          </a:p>
+        </p:txBody>
+      </p:sp>
+      <p:sp>
+        <p:nvSpPr>
+          <p:cNvPr id="4" name="Marcador de Posição do Número do Diapositivo 3"/>
+          <p:cNvSpPr>
+            <a:spLocks noGrp="1"/>
+          </p:cNvSpPr>
+          <p:nvPr>
+            <p:ph type="sldNum" sz="quarter" idx="10"/>
+          </p:nvPr>
+        </p:nvSpPr>
+        <p:spPr/>
+        <p:txBody>
+          <a:bodyPr/>
+          <a:lstStyle/>
+          <a:p>
+            <a:fld id="{A5877D2F-0EDF-4B34-9DA8-9C05239D1FC8}" type="slidenum">
+              <a:rPr lang="pt-PT" smtClean="0"/>
+              <a:t>12</a:t>
+            </a:fld>
+            <a:endParaRPr lang="pt-PT"/>
+          </a:p>
+        </p:txBody>
+      </p:sp>
+    </p:spTree>
+    <p:extLst>
+      <p:ext uri="{BB962C8B-B14F-4D97-AF65-F5344CB8AC3E}">
+        <p14:creationId xmlns:p14="http://schemas.microsoft.com/office/powerpoint/2010/main" val="2956660319"/>
+      </p:ext>
+    </p:extLst>
+  </p:cSld>
+  <p:clrMapOvr>
+    <a:masterClrMapping/>
+  </p:clrMapOvr>
+</p:notes>
+</file>
+
+<file path=ppt/notesSlides/notesSlide13.xml><?xml version="1.0" encoding="utf-8"?>
+<p:notes xmlns:a="http://schemas.openxmlformats.org/drawingml/2006/main" xmlns:r="http://schemas.openxmlformats.org/officeDocument/2006/relationships" xmlns:p="http://schemas.openxmlformats.org/presentationml/2006/main">
+  <p:cSld>
+    <p:spTree>
+      <p:nvGrpSpPr>
+        <p:cNvPr id="1" name=""/>
+        <p:cNvGrpSpPr/>
+        <p:nvPr/>
+      </p:nvGrpSpPr>
+      <p:grpSpPr>
+        <a:xfrm>
+          <a:off x="0" y="0"/>
+          <a:ext cx="0" cy="0"/>
+          <a:chOff x="0" y="0"/>
+          <a:chExt cx="0" cy="0"/>
+        </a:xfrm>
+      </p:grpSpPr>
+      <p:sp>
+        <p:nvSpPr>
+          <p:cNvPr id="2" name="Marcador de Posição da Imagem do Diapositivo 1"/>
+          <p:cNvSpPr>
+            <a:spLocks noGrp="1" noRot="1" noChangeAspect="1"/>
+          </p:cNvSpPr>
+          <p:nvPr>
+            <p:ph type="sldImg"/>
+          </p:nvPr>
+        </p:nvSpPr>
+        <p:spPr/>
+      </p:sp>
+      <p:sp>
+        <p:nvSpPr>
+          <p:cNvPr id="3" name="Marcador de Posição de Notas 2"/>
+          <p:cNvSpPr>
+            <a:spLocks noGrp="1"/>
+          </p:cNvSpPr>
+          <p:nvPr>
+            <p:ph type="body" idx="1"/>
+          </p:nvPr>
+        </p:nvSpPr>
+        <p:spPr/>
+        <p:txBody>
+          <a:bodyPr/>
+          <a:lstStyle/>
+          <a:p>
+            <a:r>
+              <a:rPr lang="pt-PT" sz="1200" kern="1200" dirty="0" smtClean="0">
+                <a:solidFill>
+                  <a:schemeClr val="tx1"/>
+                </a:solidFill>
+                <a:effectLst/>
+                <a:latin typeface="+mn-lt"/>
+                <a:ea typeface="+mn-ea"/>
+                <a:cs typeface="+mn-cs"/>
+              </a:rPr>
+              <a:t>No que toca à estrutura das reservas, optou-se por juntar a informação de várias tabelas da base de dados MySQL.</a:t>
+            </a:r>
+          </a:p>
+          <a:p>
+            <a:r>
+              <a:rPr lang="pt-PT" sz="1200" kern="1200" dirty="0" smtClean="0">
+                <a:solidFill>
+                  <a:schemeClr val="tx1"/>
+                </a:solidFill>
+                <a:effectLst/>
+                <a:latin typeface="+mn-lt"/>
+                <a:ea typeface="+mn-ea"/>
+                <a:cs typeface="+mn-cs"/>
+              </a:rPr>
+              <a:t>Como é possível observar na figura, concilia-se em cada documento da coleção reservas três tabelas existentes na </a:t>
+            </a:r>
+            <a:r>
+              <a:rPr lang="pt-PT" sz="1200" kern="1200" dirty="0" err="1" smtClean="0">
+                <a:solidFill>
+                  <a:schemeClr val="tx1"/>
+                </a:solidFill>
+                <a:effectLst/>
+                <a:latin typeface="+mn-lt"/>
+                <a:ea typeface="+mn-ea"/>
+                <a:cs typeface="+mn-cs"/>
+              </a:rPr>
+              <a:t>BDMySQL</a:t>
+            </a:r>
+            <a:r>
+              <a:rPr lang="pt-PT" sz="1200" kern="1200" dirty="0" smtClean="0">
+                <a:solidFill>
+                  <a:schemeClr val="tx1"/>
+                </a:solidFill>
+                <a:effectLst/>
+                <a:latin typeface="+mn-lt"/>
+                <a:ea typeface="+mn-ea"/>
+                <a:cs typeface="+mn-cs"/>
+              </a:rPr>
+              <a:t>:</a:t>
+            </a:r>
+            <a:r>
+              <a:rPr lang="pt-PT" sz="1200" kern="1200" baseline="0" dirty="0" smtClean="0">
+                <a:solidFill>
+                  <a:schemeClr val="tx1"/>
+                </a:solidFill>
+                <a:effectLst/>
+                <a:latin typeface="+mn-lt"/>
+                <a:ea typeface="+mn-ea"/>
+                <a:cs typeface="+mn-cs"/>
+              </a:rPr>
+              <a:t> </a:t>
+            </a:r>
+            <a:r>
+              <a:rPr lang="pt-PT" sz="1200" kern="1200" dirty="0" smtClean="0">
+                <a:solidFill>
+                  <a:schemeClr val="tx1"/>
+                </a:solidFill>
+                <a:effectLst/>
+                <a:latin typeface="+mn-lt"/>
+                <a:ea typeface="+mn-ea"/>
+                <a:cs typeface="+mn-cs"/>
+              </a:rPr>
+              <a:t>Reserva, Lugar_Reserva,</a:t>
+            </a:r>
+            <a:r>
+              <a:rPr lang="pt-PT" sz="1200" kern="1200" baseline="0" dirty="0" smtClean="0">
+                <a:solidFill>
+                  <a:schemeClr val="tx1"/>
+                </a:solidFill>
+                <a:effectLst/>
+                <a:latin typeface="+mn-lt"/>
+                <a:ea typeface="+mn-ea"/>
+                <a:cs typeface="+mn-cs"/>
+              </a:rPr>
+              <a:t> </a:t>
+            </a:r>
+            <a:r>
+              <a:rPr lang="pt-PT" sz="1200" kern="1200" dirty="0" smtClean="0">
+                <a:solidFill>
+                  <a:schemeClr val="tx1"/>
+                </a:solidFill>
+                <a:effectLst/>
+                <a:latin typeface="+mn-lt"/>
+                <a:ea typeface="+mn-ea"/>
+                <a:cs typeface="+mn-cs"/>
+              </a:rPr>
+              <a:t>Viagem</a:t>
+            </a:r>
+          </a:p>
+          <a:p>
+            <a:endParaRPr lang="pt-PT" sz="1200" kern="1200" dirty="0" smtClean="0">
+              <a:solidFill>
+                <a:schemeClr val="tx1"/>
+              </a:solidFill>
+              <a:effectLst/>
+              <a:latin typeface="+mn-lt"/>
+              <a:ea typeface="+mn-ea"/>
+              <a:cs typeface="+mn-cs"/>
+            </a:endParaRPr>
+          </a:p>
+          <a:p>
+            <a:pPr marL="0" marR="0" lvl="0" indent="0" algn="l" defTabSz="914400" rtl="0" eaLnBrk="1" fontAlgn="auto" latinLnBrk="0" hangingPunct="1">
+              <a:lnSpc>
+                <a:spcPct val="100000"/>
+              </a:lnSpc>
+              <a:spcBef>
+                <a:spcPts val="0"/>
+              </a:spcBef>
+              <a:spcAft>
+                <a:spcPts val="0"/>
+              </a:spcAft>
+              <a:buClrTx/>
+              <a:buSzTx/>
+              <a:buFontTx/>
+              <a:buNone/>
+              <a:tabLst/>
+              <a:defRPr/>
+            </a:pPr>
+            <a:r>
+              <a:rPr lang="pt-PT" sz="1200" kern="1200" dirty="0" smtClean="0">
+                <a:solidFill>
+                  <a:schemeClr val="tx1"/>
+                </a:solidFill>
+                <a:effectLst/>
+                <a:latin typeface="+mn-lt"/>
+                <a:ea typeface="+mn-ea"/>
+                <a:cs typeface="+mn-cs"/>
+              </a:rPr>
+              <a:t>Relativamente à coleção utilizadores, trata-se apenas duma migração direta dos dados de MySQL, isto é, todos elementos de uma tabela irão fazer parte de um documento.</a:t>
+            </a:r>
+          </a:p>
+          <a:p>
+            <a:endParaRPr lang="pt-PT" sz="1200" kern="1200" dirty="0" smtClean="0">
+              <a:solidFill>
+                <a:schemeClr val="tx1"/>
+              </a:solidFill>
+              <a:effectLst/>
+              <a:latin typeface="+mn-lt"/>
+              <a:ea typeface="+mn-ea"/>
+              <a:cs typeface="+mn-cs"/>
+            </a:endParaRPr>
+          </a:p>
+          <a:p>
+            <a:pPr marL="0" marR="0" lvl="0" indent="0" algn="l" defTabSz="914400" rtl="0" eaLnBrk="1" fontAlgn="auto" latinLnBrk="0" hangingPunct="1">
+              <a:lnSpc>
+                <a:spcPct val="100000"/>
+              </a:lnSpc>
+              <a:spcBef>
+                <a:spcPts val="0"/>
+              </a:spcBef>
+              <a:spcAft>
+                <a:spcPts val="0"/>
+              </a:spcAft>
+              <a:buClrTx/>
+              <a:buSzTx/>
+              <a:buFontTx/>
+              <a:buNone/>
+              <a:tabLst/>
+              <a:defRPr/>
+            </a:pPr>
+            <a:r>
+              <a:rPr lang="pt-PT" sz="1200" kern="1200" dirty="0" smtClean="0">
+                <a:solidFill>
+                  <a:schemeClr val="tx1"/>
+                </a:solidFill>
+                <a:effectLst/>
+                <a:latin typeface="+mn-lt"/>
+                <a:ea typeface="+mn-ea"/>
+                <a:cs typeface="+mn-cs"/>
+              </a:rPr>
+              <a:t>Finalmente, relativamente à coleção Comboios, trata-se de duas combinações de tabelas MySQL, Comboio e Lugar_Comboio.</a:t>
+            </a:r>
+          </a:p>
+          <a:p>
+            <a:endParaRPr lang="pt-PT" sz="1200" kern="1200" dirty="0">
+              <a:solidFill>
+                <a:schemeClr val="tx1"/>
+              </a:solidFill>
+              <a:effectLst/>
+              <a:latin typeface="+mn-lt"/>
+              <a:ea typeface="+mn-ea"/>
+              <a:cs typeface="+mn-cs"/>
+            </a:endParaRPr>
+          </a:p>
+        </p:txBody>
+      </p:sp>
+      <p:sp>
+        <p:nvSpPr>
+          <p:cNvPr id="4" name="Marcador de Posição do Número do Diapositivo 3"/>
+          <p:cNvSpPr>
+            <a:spLocks noGrp="1"/>
+          </p:cNvSpPr>
+          <p:nvPr>
+            <p:ph type="sldNum" sz="quarter" idx="10"/>
+          </p:nvPr>
+        </p:nvSpPr>
+        <p:spPr/>
+        <p:txBody>
+          <a:bodyPr/>
+          <a:lstStyle/>
+          <a:p>
+            <a:fld id="{A5877D2F-0EDF-4B34-9DA8-9C05239D1FC8}" type="slidenum">
+              <a:rPr lang="pt-PT" smtClean="0"/>
+              <a:t>13</a:t>
+            </a:fld>
+            <a:endParaRPr lang="pt-PT"/>
+          </a:p>
+        </p:txBody>
+      </p:sp>
+    </p:spTree>
+    <p:extLst>
+      <p:ext uri="{BB962C8B-B14F-4D97-AF65-F5344CB8AC3E}">
+        <p14:creationId xmlns:p14="http://schemas.microsoft.com/office/powerpoint/2010/main" val="1624410449"/>
+      </p:ext>
+    </p:extLst>
+  </p:cSld>
+  <p:clrMapOvr>
+    <a:masterClrMapping/>
+  </p:clrMapOvr>
+</p:notes>
+</file>
+
+<file path=ppt/notesSlides/notesSlide14.xml><?xml version="1.0" encoding="utf-8"?>
+<p:notes xmlns:a="http://schemas.openxmlformats.org/drawingml/2006/main" xmlns:r="http://schemas.openxmlformats.org/officeDocument/2006/relationships" xmlns:p="http://schemas.openxmlformats.org/presentationml/2006/main">
+  <p:cSld>
+    <p:spTree>
+      <p:nvGrpSpPr>
+        <p:cNvPr id="1" name=""/>
+        <p:cNvGrpSpPr/>
+        <p:nvPr/>
+      </p:nvGrpSpPr>
+      <p:grpSpPr>
+        <a:xfrm>
+          <a:off x="0" y="0"/>
+          <a:ext cx="0" cy="0"/>
+          <a:chOff x="0" y="0"/>
+          <a:chExt cx="0" cy="0"/>
+        </a:xfrm>
+      </p:grpSpPr>
+      <p:sp>
+        <p:nvSpPr>
+          <p:cNvPr id="2" name="Marcador de Posição da Imagem do Diapositivo 1"/>
+          <p:cNvSpPr>
+            <a:spLocks noGrp="1" noRot="1" noChangeAspect="1"/>
+          </p:cNvSpPr>
+          <p:nvPr>
+            <p:ph type="sldImg"/>
+          </p:nvPr>
+        </p:nvSpPr>
+        <p:spPr/>
+      </p:sp>
+      <p:sp>
+        <p:nvSpPr>
+          <p:cNvPr id="3" name="Marcador de Posição de Notas 2"/>
+          <p:cNvSpPr>
+            <a:spLocks noGrp="1"/>
+          </p:cNvSpPr>
+          <p:nvPr>
+            <p:ph type="body" idx="1"/>
+          </p:nvPr>
+        </p:nvSpPr>
+        <p:spPr/>
+        <p:txBody>
+          <a:bodyPr/>
+          <a:lstStyle/>
+          <a:p>
+            <a:r>
+              <a:rPr lang="pt-PT" sz="1200" kern="1200" dirty="0" smtClean="0">
+                <a:solidFill>
+                  <a:schemeClr val="tx1"/>
+                </a:solidFill>
+                <a:effectLst/>
+                <a:latin typeface="+mn-lt"/>
+                <a:ea typeface="+mn-ea"/>
+                <a:cs typeface="+mn-cs"/>
+              </a:rPr>
+              <a:t>De modo a proceder à migração de dados, criou-se um script com a simples função de recolher os dados presentes na base de dados MySQL e coloca-la numa MongoDB.</a:t>
+            </a:r>
+          </a:p>
+          <a:p>
+            <a:r>
+              <a:rPr lang="pt-PT" sz="1200" kern="1200" dirty="0" smtClean="0">
+                <a:solidFill>
+                  <a:schemeClr val="tx1"/>
+                </a:solidFill>
+                <a:effectLst/>
+                <a:latin typeface="+mn-lt"/>
+                <a:ea typeface="+mn-ea"/>
+                <a:cs typeface="+mn-cs"/>
+              </a:rPr>
+              <a:t> </a:t>
+            </a:r>
+          </a:p>
+          <a:p>
+            <a:r>
+              <a:rPr lang="en-US" sz="1200" kern="1200" dirty="0" smtClean="0">
+                <a:solidFill>
+                  <a:schemeClr val="tx1"/>
+                </a:solidFill>
+                <a:effectLst/>
+                <a:latin typeface="+mn-lt"/>
+                <a:ea typeface="+mn-ea"/>
+                <a:cs typeface="+mn-cs"/>
+              </a:rPr>
+              <a:t> </a:t>
+            </a:r>
+            <a:endParaRPr lang="pt-PT" sz="1200" kern="1200" dirty="0" smtClean="0">
+              <a:solidFill>
+                <a:schemeClr val="tx1"/>
+              </a:solidFill>
+              <a:effectLst/>
+              <a:latin typeface="+mn-lt"/>
+              <a:ea typeface="+mn-ea"/>
+              <a:cs typeface="+mn-cs"/>
+            </a:endParaRPr>
+          </a:p>
+          <a:p>
+            <a:r>
+              <a:rPr lang="en-US" sz="1200" kern="1200" dirty="0" smtClean="0">
+                <a:solidFill>
+                  <a:schemeClr val="tx1"/>
+                </a:solidFill>
+                <a:effectLst/>
+                <a:latin typeface="+mn-lt"/>
+                <a:ea typeface="+mn-ea"/>
+                <a:cs typeface="+mn-cs"/>
+              </a:rPr>
+              <a:t> </a:t>
+            </a:r>
+            <a:endParaRPr lang="pt-PT" sz="1200" kern="1200" dirty="0" smtClean="0">
+              <a:solidFill>
+                <a:schemeClr val="tx1"/>
+              </a:solidFill>
+              <a:effectLst/>
+              <a:latin typeface="+mn-lt"/>
+              <a:ea typeface="+mn-ea"/>
+              <a:cs typeface="+mn-cs"/>
+            </a:endParaRPr>
+          </a:p>
+          <a:p>
+            <a:r>
+              <a:rPr lang="pt-PT" sz="1200" kern="1200" dirty="0" smtClean="0">
+                <a:solidFill>
+                  <a:schemeClr val="tx1"/>
+                </a:solidFill>
+                <a:effectLst/>
+                <a:latin typeface="+mn-lt"/>
+                <a:ea typeface="+mn-ea"/>
+                <a:cs typeface="+mn-cs"/>
+              </a:rPr>
+              <a:t>A tabela acima representada dá uma noção superficial do algoritmo do script criado. Partindo para uma forma mais detalhada do seu funcionamento, divide-se em três etapas:</a:t>
+            </a:r>
+          </a:p>
+          <a:p>
+            <a:r>
+              <a:rPr lang="pt-PT" sz="1200" kern="1200" dirty="0" smtClean="0">
+                <a:solidFill>
+                  <a:schemeClr val="tx1"/>
+                </a:solidFill>
+                <a:effectLst/>
+                <a:latin typeface="+mn-lt"/>
+                <a:ea typeface="+mn-ea"/>
+                <a:cs typeface="+mn-cs"/>
+              </a:rPr>
+              <a:t> </a:t>
+            </a:r>
+          </a:p>
+          <a:p>
+            <a:pPr lvl="0"/>
+            <a:r>
+              <a:rPr lang="pt-PT" sz="1200" b="1" kern="1200" dirty="0" smtClean="0">
+                <a:solidFill>
+                  <a:schemeClr val="tx1"/>
+                </a:solidFill>
+                <a:effectLst/>
+                <a:latin typeface="+mn-lt"/>
+                <a:ea typeface="+mn-ea"/>
+                <a:cs typeface="+mn-cs"/>
+              </a:rPr>
+              <a:t>Recolher dados da base de dados MySQL</a:t>
+            </a:r>
+            <a:endParaRPr lang="pt-PT" sz="1200" kern="1200" dirty="0" smtClean="0">
+              <a:solidFill>
+                <a:schemeClr val="tx1"/>
+              </a:solidFill>
+              <a:effectLst/>
+              <a:latin typeface="+mn-lt"/>
+              <a:ea typeface="+mn-ea"/>
+              <a:cs typeface="+mn-cs"/>
+            </a:endParaRPr>
+          </a:p>
+          <a:p>
+            <a:r>
+              <a:rPr lang="pt-PT" sz="1200" kern="1200" dirty="0" smtClean="0">
+                <a:solidFill>
+                  <a:schemeClr val="tx1"/>
+                </a:solidFill>
+                <a:effectLst/>
+                <a:latin typeface="+mn-lt"/>
+                <a:ea typeface="+mn-ea"/>
+                <a:cs typeface="+mn-cs"/>
+              </a:rPr>
+              <a:t>Inicialmente estabelece-se um conceção com a base de dados MySQL. Caso esta seja feita com sucesso, a aplicação executa </a:t>
+            </a:r>
+            <a:r>
+              <a:rPr lang="pt-PT" sz="1200" i="1" kern="1200" dirty="0" smtClean="0">
+                <a:solidFill>
+                  <a:schemeClr val="tx1"/>
+                </a:solidFill>
+                <a:effectLst/>
+                <a:latin typeface="+mn-lt"/>
+                <a:ea typeface="+mn-ea"/>
+                <a:cs typeface="+mn-cs"/>
+              </a:rPr>
+              <a:t>queries</a:t>
+            </a:r>
+            <a:r>
+              <a:rPr lang="pt-PT" sz="1200" kern="1200" dirty="0" smtClean="0">
+                <a:solidFill>
+                  <a:schemeClr val="tx1"/>
+                </a:solidFill>
+                <a:effectLst/>
+                <a:latin typeface="+mn-lt"/>
+                <a:ea typeface="+mn-ea"/>
+                <a:cs typeface="+mn-cs"/>
+              </a:rPr>
+              <a:t> de modo a obter os dados necessários para as estruturas.</a:t>
+            </a:r>
+          </a:p>
+          <a:p>
+            <a:pPr lvl="0"/>
+            <a:r>
+              <a:rPr lang="pt-PT" sz="1200" b="1" kern="1200" dirty="0" smtClean="0">
+                <a:solidFill>
+                  <a:schemeClr val="tx1"/>
+                </a:solidFill>
+                <a:effectLst/>
+                <a:latin typeface="+mn-lt"/>
+                <a:ea typeface="+mn-ea"/>
+                <a:cs typeface="+mn-cs"/>
+              </a:rPr>
+              <a:t>Armazenar dados em estruturas Java</a:t>
+            </a:r>
+            <a:endParaRPr lang="pt-PT" sz="1200" kern="1200" dirty="0" smtClean="0">
+              <a:solidFill>
+                <a:schemeClr val="tx1"/>
+              </a:solidFill>
+              <a:effectLst/>
+              <a:latin typeface="+mn-lt"/>
+              <a:ea typeface="+mn-ea"/>
+              <a:cs typeface="+mn-cs"/>
+            </a:endParaRPr>
+          </a:p>
+          <a:p>
+            <a:r>
+              <a:rPr lang="pt-PT" sz="1200" kern="1200" dirty="0" smtClean="0">
+                <a:solidFill>
+                  <a:schemeClr val="tx1"/>
+                </a:solidFill>
+                <a:effectLst/>
+                <a:latin typeface="+mn-lt"/>
+                <a:ea typeface="+mn-ea"/>
+                <a:cs typeface="+mn-cs"/>
+              </a:rPr>
+              <a:t>Criou-se classes em java de acordo os esquemas criados para coleções de MongoDB, após a recolha de dados de MySQL, os mesmos serão armazenados nessas estruturas.</a:t>
+            </a:r>
+          </a:p>
+          <a:p>
+            <a:pPr lvl="0"/>
+            <a:r>
+              <a:rPr lang="pt-PT" sz="1200" b="1" kern="1200" dirty="0" smtClean="0">
+                <a:solidFill>
+                  <a:schemeClr val="tx1"/>
+                </a:solidFill>
+                <a:effectLst/>
+                <a:latin typeface="+mn-lt"/>
+                <a:ea typeface="+mn-ea"/>
+                <a:cs typeface="+mn-cs"/>
+              </a:rPr>
+              <a:t>Inserir dados na MongoDB</a:t>
+            </a:r>
+            <a:endParaRPr lang="pt-PT" sz="1200" kern="1200" dirty="0" smtClean="0">
+              <a:solidFill>
+                <a:schemeClr val="tx1"/>
+              </a:solidFill>
+              <a:effectLst/>
+              <a:latin typeface="+mn-lt"/>
+              <a:ea typeface="+mn-ea"/>
+              <a:cs typeface="+mn-cs"/>
+            </a:endParaRPr>
+          </a:p>
+          <a:p>
+            <a:r>
+              <a:rPr lang="pt-PT" sz="1200" kern="1200" dirty="0" smtClean="0">
+                <a:solidFill>
+                  <a:schemeClr val="tx1"/>
+                </a:solidFill>
+                <a:effectLst/>
+                <a:latin typeface="+mn-lt"/>
+                <a:ea typeface="+mn-ea"/>
+                <a:cs typeface="+mn-cs"/>
+              </a:rPr>
+              <a:t>Assim que completa a recolha e armazenamento de dados, estes serão inseridos na base de dados conforme os esquemas anteriormente definidos.</a:t>
+            </a:r>
+          </a:p>
+          <a:p>
+            <a:endParaRPr lang="pt-PT" dirty="0"/>
+          </a:p>
+        </p:txBody>
+      </p:sp>
+      <p:sp>
+        <p:nvSpPr>
+          <p:cNvPr id="4" name="Marcador de Posição do Número do Diapositivo 3"/>
+          <p:cNvSpPr>
+            <a:spLocks noGrp="1"/>
+          </p:cNvSpPr>
+          <p:nvPr>
+            <p:ph type="sldNum" sz="quarter" idx="10"/>
+          </p:nvPr>
+        </p:nvSpPr>
+        <p:spPr/>
+        <p:txBody>
+          <a:bodyPr/>
+          <a:lstStyle/>
+          <a:p>
+            <a:fld id="{A5877D2F-0EDF-4B34-9DA8-9C05239D1FC8}" type="slidenum">
+              <a:rPr lang="pt-PT" smtClean="0"/>
+              <a:t>14</a:t>
+            </a:fld>
+            <a:endParaRPr lang="pt-PT"/>
+          </a:p>
+        </p:txBody>
+      </p:sp>
+    </p:spTree>
+    <p:extLst>
+      <p:ext uri="{BB962C8B-B14F-4D97-AF65-F5344CB8AC3E}">
+        <p14:creationId xmlns:p14="http://schemas.microsoft.com/office/powerpoint/2010/main" val="2262981764"/>
+      </p:ext>
+    </p:extLst>
+  </p:cSld>
+  <p:clrMapOvr>
+    <a:masterClrMapping/>
+  </p:clrMapOvr>
+</p:notes>
+</file>
+
+<file path=ppt/notesSlides/notesSlide15.xml><?xml version="1.0" encoding="utf-8"?>
+<p:notes xmlns:a="http://schemas.openxmlformats.org/drawingml/2006/main" xmlns:r="http://schemas.openxmlformats.org/officeDocument/2006/relationships" xmlns:p="http://schemas.openxmlformats.org/presentationml/2006/main">
+  <p:cSld>
+    <p:spTree>
+      <p:nvGrpSpPr>
+        <p:cNvPr id="1" name=""/>
+        <p:cNvGrpSpPr/>
+        <p:nvPr/>
+      </p:nvGrpSpPr>
+      <p:grpSpPr>
+        <a:xfrm>
+          <a:off x="0" y="0"/>
+          <a:ext cx="0" cy="0"/>
+          <a:chOff x="0" y="0"/>
+          <a:chExt cx="0" cy="0"/>
+        </a:xfrm>
+      </p:grpSpPr>
+      <p:sp>
+        <p:nvSpPr>
+          <p:cNvPr id="2" name="Marcador de Posição da Imagem do Diapositivo 1"/>
+          <p:cNvSpPr>
+            <a:spLocks noGrp="1" noRot="1" noChangeAspect="1"/>
+          </p:cNvSpPr>
+          <p:nvPr>
+            <p:ph type="sldImg"/>
+          </p:nvPr>
+        </p:nvSpPr>
+        <p:spPr/>
+      </p:sp>
+      <p:sp>
+        <p:nvSpPr>
+          <p:cNvPr id="3" name="Marcador de Posição de Notas 2"/>
+          <p:cNvSpPr>
+            <a:spLocks noGrp="1"/>
+          </p:cNvSpPr>
+          <p:nvPr>
+            <p:ph type="body" idx="1"/>
+          </p:nvPr>
+        </p:nvSpPr>
+        <p:spPr/>
+        <p:txBody>
+          <a:bodyPr/>
+          <a:lstStyle/>
+          <a:p>
+            <a:r>
+              <a:rPr lang="pt-PT" dirty="0" smtClean="0"/>
+              <a:t>Usou-se este exemplo</a:t>
+            </a:r>
+            <a:r>
+              <a:rPr lang="pt-PT" baseline="0" dirty="0" smtClean="0"/>
+              <a:t> porque é a coleção fulcral</a:t>
+            </a:r>
+            <a:endParaRPr lang="pt-PT" dirty="0" smtClean="0"/>
+          </a:p>
+          <a:p>
+            <a:r>
+              <a:rPr lang="pt-PT" dirty="0" smtClean="0"/>
+              <a:t>[explicar]</a:t>
+            </a:r>
+            <a:endParaRPr lang="pt-PT" dirty="0"/>
+          </a:p>
+        </p:txBody>
+      </p:sp>
+      <p:sp>
+        <p:nvSpPr>
+          <p:cNvPr id="4" name="Marcador de Posição do Número do Diapositivo 3"/>
+          <p:cNvSpPr>
+            <a:spLocks noGrp="1"/>
+          </p:cNvSpPr>
+          <p:nvPr>
+            <p:ph type="sldNum" sz="quarter" idx="10"/>
+          </p:nvPr>
+        </p:nvSpPr>
+        <p:spPr/>
+        <p:txBody>
+          <a:bodyPr/>
+          <a:lstStyle/>
+          <a:p>
+            <a:fld id="{A5877D2F-0EDF-4B34-9DA8-9C05239D1FC8}" type="slidenum">
+              <a:rPr lang="pt-PT" smtClean="0"/>
+              <a:t>15</a:t>
+            </a:fld>
+            <a:endParaRPr lang="pt-PT"/>
+          </a:p>
+        </p:txBody>
+      </p:sp>
+    </p:spTree>
+    <p:extLst>
+      <p:ext uri="{BB962C8B-B14F-4D97-AF65-F5344CB8AC3E}">
+        <p14:creationId xmlns:p14="http://schemas.microsoft.com/office/powerpoint/2010/main" val="695374635"/>
+      </p:ext>
+    </p:extLst>
+  </p:cSld>
+  <p:clrMapOvr>
+    <a:masterClrMapping/>
+  </p:clrMapOvr>
+</p:notes>
+</file>
+
+<file path=ppt/notesSlides/notesSlide16.xml><?xml version="1.0" encoding="utf-8"?>
+<p:notes xmlns:a="http://schemas.openxmlformats.org/drawingml/2006/main" xmlns:r="http://schemas.openxmlformats.org/officeDocument/2006/relationships" xmlns:p="http://schemas.openxmlformats.org/presentationml/2006/main">
+  <p:cSld>
+    <p:spTree>
+      <p:nvGrpSpPr>
+        <p:cNvPr id="1" name=""/>
+        <p:cNvGrpSpPr/>
+        <p:nvPr/>
+      </p:nvGrpSpPr>
+      <p:grpSpPr>
+        <a:xfrm>
+          <a:off x="0" y="0"/>
+          <a:ext cx="0" cy="0"/>
+          <a:chOff x="0" y="0"/>
+          <a:chExt cx="0" cy="0"/>
+        </a:xfrm>
+      </p:grpSpPr>
+      <p:sp>
+        <p:nvSpPr>
+          <p:cNvPr id="2" name="Marcador de Posição da Imagem do Diapositivo 1"/>
+          <p:cNvSpPr>
+            <a:spLocks noGrp="1" noRot="1" noChangeAspect="1"/>
+          </p:cNvSpPr>
+          <p:nvPr>
+            <p:ph type="sldImg"/>
+          </p:nvPr>
+        </p:nvSpPr>
+        <p:spPr/>
+      </p:sp>
+      <p:sp>
+        <p:nvSpPr>
+          <p:cNvPr id="3" name="Marcador de Posição de Notas 2"/>
+          <p:cNvSpPr>
+            <a:spLocks noGrp="1"/>
+          </p:cNvSpPr>
+          <p:nvPr>
+            <p:ph type="body" idx="1"/>
+          </p:nvPr>
+        </p:nvSpPr>
+        <p:spPr/>
+        <p:txBody>
+          <a:bodyPr/>
+          <a:lstStyle/>
+          <a:p>
+            <a:r>
+              <a:rPr lang="pt-PT" dirty="0" smtClean="0"/>
+              <a:t>Boa</a:t>
+            </a:r>
+            <a:r>
+              <a:rPr lang="pt-PT" baseline="0" dirty="0" smtClean="0"/>
+              <a:t> tarde,</a:t>
+            </a:r>
+          </a:p>
+          <a:p>
+            <a:endParaRPr lang="pt-PT" baseline="0" dirty="0" smtClean="0"/>
+          </a:p>
+          <a:p>
+            <a:r>
+              <a:rPr lang="pt-PT" baseline="0" dirty="0" smtClean="0"/>
+              <a:t>eu, João Reis, conjunto com João Gomes e Tiago Fraga constituímos o grupo 57 da unidade curricular base de dados.</a:t>
+            </a:r>
+          </a:p>
+          <a:p>
+            <a:r>
+              <a:rPr lang="pt-PT" baseline="0" dirty="0" smtClean="0"/>
+              <a:t>Como parte da avaliação prática da UC foi-nos encarregue de desenvolver-mos dois tipos de base de dados – uma relacional, trabalhando sobre MySQL e outra orientada a documentos, em MongoDB.</a:t>
+            </a:r>
+          </a:p>
+          <a:p>
+            <a:endParaRPr lang="pt-PT" baseline="0" dirty="0" smtClean="0"/>
+          </a:p>
+          <a:p>
+            <a:r>
+              <a:rPr lang="pt-PT" baseline="0" dirty="0" smtClean="0"/>
+              <a:t>Ao longo desta apresentação abordamos de que modo as concebemos, desde a sua criação aos detalhes existentes.</a:t>
+            </a:r>
+          </a:p>
+        </p:txBody>
+      </p:sp>
+      <p:sp>
+        <p:nvSpPr>
+          <p:cNvPr id="4" name="Marcador de Posição do Número do Diapositivo 3"/>
+          <p:cNvSpPr>
+            <a:spLocks noGrp="1"/>
+          </p:cNvSpPr>
+          <p:nvPr>
+            <p:ph type="sldNum" sz="quarter" idx="10"/>
+          </p:nvPr>
+        </p:nvSpPr>
+        <p:spPr/>
+        <p:txBody>
+          <a:bodyPr/>
+          <a:lstStyle/>
+          <a:p>
+            <a:fld id="{A5877D2F-0EDF-4B34-9DA8-9C05239D1FC8}" type="slidenum">
+              <a:rPr lang="pt-PT" smtClean="0"/>
+              <a:t>17</a:t>
+            </a:fld>
+            <a:endParaRPr lang="pt-PT"/>
+          </a:p>
+        </p:txBody>
+      </p:sp>
+    </p:spTree>
+    <p:extLst>
+      <p:ext uri="{BB962C8B-B14F-4D97-AF65-F5344CB8AC3E}">
+        <p14:creationId xmlns:p14="http://schemas.microsoft.com/office/powerpoint/2010/main" val="3930265421"/>
       </p:ext>
     </p:extLst>
   </p:cSld>
@@ -621,9 +1795,38 @@
           <a:p>
             <a:r>
               <a:rPr lang="pt-PT" dirty="0" smtClean="0"/>
-              <a:t>ASDASDA</a:t>
-            </a:r>
-            <a:endParaRPr lang="pt-PT" dirty="0"/>
+              <a:t>Esta</a:t>
+            </a:r>
+            <a:r>
+              <a:rPr lang="pt-PT" baseline="0" dirty="0" smtClean="0"/>
+              <a:t> apresentação está dividida em duas fases: relacional em </a:t>
+            </a:r>
+            <a:r>
+              <a:rPr lang="pt-PT" baseline="0" dirty="0" err="1" smtClean="0"/>
+              <a:t>NoSQL</a:t>
+            </a:r>
+            <a:r>
+              <a:rPr lang="pt-PT" baseline="0" dirty="0" smtClean="0"/>
+              <a:t>.</a:t>
+            </a:r>
+          </a:p>
+          <a:p>
+            <a:r>
+              <a:rPr lang="pt-PT" baseline="0" dirty="0" smtClean="0"/>
+              <a:t>Primordialmente, abordaremos a base de dados relacional, implementada em MySQL.</a:t>
+            </a:r>
+          </a:p>
+          <a:p>
+            <a:endParaRPr lang="pt-PT" baseline="0" dirty="0" smtClean="0"/>
+          </a:p>
+          <a:p>
+            <a:r>
+              <a:rPr lang="pt-PT" baseline="0" dirty="0" smtClean="0"/>
+              <a:t>Optou-se por uma metodologia de design de uma base de dados divide-se em 3 fases: conceptual, lógico e consequentemente físico, em que a DBMS escolhida foi MySQL.</a:t>
+            </a:r>
+          </a:p>
+          <a:p>
+            <a:endParaRPr lang="pt-PT" baseline="0" dirty="0" smtClean="0"/>
           </a:p>
         </p:txBody>
       </p:sp>
@@ -644,7 +1847,7 @@
           <a:p>
             <a:fld id="{A5877D2F-0EDF-4B34-9DA8-9C05239D1FC8}" type="slidenum">
               <a:rPr lang="pt-PT" smtClean="0"/>
-              <a:t>12</a:t>
+              <a:t>2</a:t>
             </a:fld>
             <a:endParaRPr lang="pt-PT"/>
           </a:p>
@@ -653,7 +1856,7 @@
     </p:spTree>
     <p:extLst>
       <p:ext uri="{BB962C8B-B14F-4D97-AF65-F5344CB8AC3E}">
-        <p14:creationId xmlns:p14="http://schemas.microsoft.com/office/powerpoint/2010/main" val="2956660319"/>
+        <p14:creationId xmlns:p14="http://schemas.microsoft.com/office/powerpoint/2010/main" val="3440356858"/>
       </p:ext>
     </p:extLst>
   </p:cSld>
@@ -709,7 +1912,245 @@
           <a:p>
             <a:r>
               <a:rPr lang="pt-PT" dirty="0" smtClean="0"/>
-              <a:t>ASDASDASDSADSADF</a:t>
+              <a:t>Relativamente</a:t>
+            </a:r>
+            <a:r>
+              <a:rPr lang="pt-PT" baseline="0" dirty="0" smtClean="0"/>
+              <a:t> ao caso de estudo,</a:t>
+            </a:r>
+          </a:p>
+          <a:p>
+            <a:endParaRPr lang="pt-PT" baseline="0" dirty="0" smtClean="0"/>
+          </a:p>
+          <a:p>
+            <a:r>
+              <a:rPr lang="pt-PT" dirty="0" smtClean="0"/>
+              <a:t>[resumir]</a:t>
+            </a:r>
+          </a:p>
+          <a:p>
+            <a:endParaRPr lang="pt-PT" dirty="0" smtClean="0"/>
+          </a:p>
+          <a:p>
+            <a:r>
+              <a:rPr lang="pt-PT" sz="1200" b="0" i="0" u="none" strike="noStrike" kern="1200" baseline="0" dirty="0" smtClean="0">
+                <a:solidFill>
+                  <a:schemeClr val="tx1"/>
+                </a:solidFill>
+                <a:latin typeface="+mn-lt"/>
+                <a:ea typeface="+mn-ea"/>
+                <a:cs typeface="+mn-cs"/>
+              </a:rPr>
+              <a:t>Fundada de 1997, a empresa ferroviária </a:t>
+            </a:r>
+            <a:r>
+              <a:rPr lang="pt-PT" sz="1200" b="1" i="0" u="none" strike="noStrike" kern="1200" baseline="0" dirty="0" smtClean="0">
+                <a:solidFill>
+                  <a:schemeClr val="tx1"/>
+                </a:solidFill>
+                <a:latin typeface="+mn-lt"/>
+                <a:ea typeface="+mn-ea"/>
+                <a:cs typeface="+mn-cs"/>
+              </a:rPr>
+              <a:t>Train</a:t>
+            </a:r>
+            <a:r>
+              <a:rPr lang="pt-PT" sz="1200" b="0" i="0" u="none" strike="noStrike" kern="1200" baseline="0" dirty="0" smtClean="0">
+                <a:solidFill>
+                  <a:schemeClr val="tx1"/>
+                </a:solidFill>
+                <a:latin typeface="+mn-lt"/>
+                <a:ea typeface="+mn-ea"/>
+                <a:cs typeface="+mn-cs"/>
+              </a:rPr>
+              <a:t>sporte nasceu com o intuito de transportar estudantes de Vila Real às cidades de Braga, Porto e Lisboa devido à falta de meios e condições de transporte para estas grandes cidades de principal destino universitário. Devido à sua grande adesão por parte da comunidade estudantil e não só, o crescimento do negócio foi exponencial e rapidamente chegou a diferentes distritos de Portugal. </a:t>
+            </a:r>
+          </a:p>
+          <a:p>
+            <a:r>
+              <a:rPr lang="pt-PT" sz="1200" b="0" i="0" u="none" strike="noStrike" kern="1200" baseline="0" dirty="0" smtClean="0">
+                <a:solidFill>
+                  <a:schemeClr val="tx1"/>
+                </a:solidFill>
+                <a:latin typeface="+mn-lt"/>
+                <a:ea typeface="+mn-ea"/>
+                <a:cs typeface="+mn-cs"/>
+              </a:rPr>
+              <a:t>No entanto, apesar do imenso sucesso causado, os métodos de operação continuam os mesmos que primordialmente foram estabelecidos: </a:t>
+            </a:r>
+          </a:p>
+          <a:p>
+            <a:r>
+              <a:rPr lang="pt-PT" sz="1200" b="0" i="0" u="none" strike="noStrike" kern="1200" baseline="0" dirty="0" smtClean="0">
+                <a:solidFill>
+                  <a:schemeClr val="tx1"/>
+                </a:solidFill>
+                <a:latin typeface="+mn-lt"/>
+                <a:ea typeface="+mn-ea"/>
+                <a:cs typeface="+mn-cs"/>
+              </a:rPr>
+              <a:t> Não existe registo de clientes; </a:t>
+            </a:r>
+          </a:p>
+          <a:p>
+            <a:r>
+              <a:rPr lang="pt-PT" sz="1200" b="0" i="0" u="none" strike="noStrike" kern="1200" baseline="0" dirty="0" smtClean="0">
+                <a:solidFill>
+                  <a:schemeClr val="tx1"/>
+                </a:solidFill>
+                <a:latin typeface="+mn-lt"/>
+                <a:ea typeface="+mn-ea"/>
+                <a:cs typeface="+mn-cs"/>
+              </a:rPr>
+              <a:t> A reserva de bilhetes teria de ser feita obrigatoriamente nas bilheteiras; </a:t>
+            </a:r>
+          </a:p>
+          <a:p>
+            <a:r>
+              <a:rPr lang="pt-PT" sz="1200" b="0" i="0" u="none" strike="noStrike" kern="1200" baseline="0" dirty="0" smtClean="0">
+                <a:solidFill>
+                  <a:schemeClr val="tx1"/>
+                </a:solidFill>
+                <a:latin typeface="+mn-lt"/>
+                <a:ea typeface="+mn-ea"/>
+                <a:cs typeface="+mn-cs"/>
+              </a:rPr>
+              <a:t> Não existe nenhuma base de dados de horários: são estabelecidos mensalmente na sede e enviados às diferentes estações, comunicando por meio telefónico entre estações os atrasos existentes. </a:t>
+            </a:r>
+          </a:p>
+          <a:p>
+            <a:endParaRPr lang="pt-PT" sz="1200" b="0" i="0" u="none" strike="noStrike" kern="1200" baseline="0" dirty="0" smtClean="0">
+              <a:solidFill>
+                <a:schemeClr val="tx1"/>
+              </a:solidFill>
+              <a:latin typeface="+mn-lt"/>
+              <a:ea typeface="+mn-ea"/>
+              <a:cs typeface="+mn-cs"/>
+            </a:endParaRPr>
+          </a:p>
+          <a:p>
+            <a:r>
+              <a:rPr lang="pt-PT" sz="1200" b="0" i="0" u="none" strike="noStrike" kern="1200" baseline="0" dirty="0" smtClean="0">
+                <a:solidFill>
+                  <a:schemeClr val="tx1"/>
+                </a:solidFill>
+                <a:latin typeface="+mn-lt"/>
+                <a:ea typeface="+mn-ea"/>
+                <a:cs typeface="+mn-cs"/>
+              </a:rPr>
+              <a:t>A empresa não acompanhou a evolução tecnológica e pleno 2016 estava a afundar-se em papelada e contantes atrasos entre comboios. O crescimento de clientes estagnou, a comunicação entre estações era pobre e o CEO da empresa, Meireles, facilmente apercebeu-se que estavam a ser vitimas do seu próprio sucesso e que teriam de gastar parte do orçamento anual de modo a evoluir as infraestruturas existentes e lançar um serviço </a:t>
+            </a:r>
+            <a:r>
+              <a:rPr lang="pt-PT" sz="1200" b="0" i="1" u="none" strike="noStrike" kern="1200" baseline="0" dirty="0" smtClean="0">
+                <a:solidFill>
+                  <a:schemeClr val="tx1"/>
+                </a:solidFill>
+                <a:latin typeface="+mn-lt"/>
+                <a:ea typeface="+mn-ea"/>
+                <a:cs typeface="+mn-cs"/>
+              </a:rPr>
+              <a:t>online </a:t>
+            </a:r>
+            <a:r>
+              <a:rPr lang="pt-PT" sz="1200" b="0" i="0" u="none" strike="noStrike" kern="1200" baseline="0" dirty="0" smtClean="0">
+                <a:solidFill>
+                  <a:schemeClr val="tx1"/>
+                </a:solidFill>
+                <a:latin typeface="+mn-lt"/>
+                <a:ea typeface="+mn-ea"/>
+                <a:cs typeface="+mn-cs"/>
+              </a:rPr>
+              <a:t>de modo a festejar os 20 anos da </a:t>
+            </a:r>
+            <a:r>
+              <a:rPr lang="pt-PT" sz="1200" b="1" i="0" u="none" strike="noStrike" kern="1200" baseline="0" dirty="0" smtClean="0">
+                <a:solidFill>
+                  <a:schemeClr val="tx1"/>
+                </a:solidFill>
+                <a:latin typeface="+mn-lt"/>
+                <a:ea typeface="+mn-ea"/>
+                <a:cs typeface="+mn-cs"/>
+              </a:rPr>
+              <a:t>Train</a:t>
+            </a:r>
+            <a:r>
+              <a:rPr lang="pt-PT" sz="1200" b="0" i="0" u="none" strike="noStrike" kern="1200" baseline="0" dirty="0" smtClean="0">
+                <a:solidFill>
+                  <a:schemeClr val="tx1"/>
+                </a:solidFill>
+                <a:latin typeface="+mn-lt"/>
+                <a:ea typeface="+mn-ea"/>
+                <a:cs typeface="+mn-cs"/>
+              </a:rPr>
+              <a:t>sporte. O serviço </a:t>
+            </a:r>
+            <a:r>
+              <a:rPr lang="pt-PT" sz="1200" b="0" i="1" u="none" strike="noStrike" kern="1200" baseline="0" dirty="0" smtClean="0">
+                <a:solidFill>
+                  <a:schemeClr val="tx1"/>
+                </a:solidFill>
+                <a:latin typeface="+mn-lt"/>
+                <a:ea typeface="+mn-ea"/>
+                <a:cs typeface="+mn-cs"/>
+              </a:rPr>
+              <a:t>online </a:t>
+            </a:r>
+            <a:r>
+              <a:rPr lang="pt-PT" sz="1200" b="0" i="0" u="none" strike="noStrike" kern="1200" baseline="0" dirty="0" smtClean="0">
+                <a:solidFill>
+                  <a:schemeClr val="tx1"/>
+                </a:solidFill>
+                <a:latin typeface="+mn-lt"/>
+                <a:ea typeface="+mn-ea"/>
+                <a:cs typeface="+mn-cs"/>
+              </a:rPr>
+              <a:t>consistia não só numa </a:t>
+            </a:r>
+            <a:r>
+              <a:rPr lang="pt-PT" sz="1200" b="0" i="1" u="none" strike="noStrike" kern="1200" baseline="0" dirty="0" err="1" smtClean="0">
+                <a:solidFill>
+                  <a:schemeClr val="tx1"/>
+                </a:solidFill>
+                <a:latin typeface="+mn-lt"/>
+                <a:ea typeface="+mn-ea"/>
+                <a:cs typeface="+mn-cs"/>
+              </a:rPr>
+              <a:t>front-end</a:t>
+            </a:r>
+            <a:r>
+              <a:rPr lang="pt-PT" sz="1200" b="0" i="1" u="none" strike="noStrike" kern="1200" baseline="0" dirty="0" smtClean="0">
+                <a:solidFill>
+                  <a:schemeClr val="tx1"/>
+                </a:solidFill>
+                <a:latin typeface="+mn-lt"/>
+                <a:ea typeface="+mn-ea"/>
+                <a:cs typeface="+mn-cs"/>
+              </a:rPr>
+              <a:t> </a:t>
+            </a:r>
+            <a:r>
+              <a:rPr lang="pt-PT" sz="1200" b="0" i="0" u="none" strike="noStrike" kern="1200" baseline="0" dirty="0" smtClean="0">
+                <a:solidFill>
+                  <a:schemeClr val="tx1"/>
+                </a:solidFill>
+                <a:latin typeface="+mn-lt"/>
+                <a:ea typeface="+mn-ea"/>
+                <a:cs typeface="+mn-cs"/>
+              </a:rPr>
+              <a:t>para clientes reservar bilhetes mas também para uma base de dados de horários, comboios e clientes. </a:t>
+            </a:r>
+          </a:p>
+          <a:p>
+            <a:r>
+              <a:rPr lang="pt-PT" sz="1200" b="0" i="0" u="none" strike="noStrike" kern="1200" baseline="0" dirty="0" smtClean="0">
+                <a:solidFill>
+                  <a:schemeClr val="tx1"/>
+                </a:solidFill>
+                <a:latin typeface="+mn-lt"/>
+                <a:ea typeface="+mn-ea"/>
+                <a:cs typeface="+mn-cs"/>
+              </a:rPr>
+              <a:t>O CEO contratou a famosa empresa portuguesa </a:t>
             </a:r>
             <a:endParaRPr lang="pt-PT" dirty="0"/>
           </a:p>
@@ -732,7 +2173,7 @@
           <a:p>
             <a:fld id="{A5877D2F-0EDF-4B34-9DA8-9C05239D1FC8}" type="slidenum">
               <a:rPr lang="pt-PT" smtClean="0"/>
-              <a:t>13</a:t>
+              <a:t>3</a:t>
             </a:fld>
             <a:endParaRPr lang="pt-PT"/>
           </a:p>
@@ -741,7 +2182,1377 @@
     </p:spTree>
     <p:extLst>
       <p:ext uri="{BB962C8B-B14F-4D97-AF65-F5344CB8AC3E}">
-        <p14:creationId xmlns:p14="http://schemas.microsoft.com/office/powerpoint/2010/main" val="1624410449"/>
+        <p14:creationId xmlns:p14="http://schemas.microsoft.com/office/powerpoint/2010/main" val="1795079469"/>
+      </p:ext>
+    </p:extLst>
+  </p:cSld>
+  <p:clrMapOvr>
+    <a:masterClrMapping/>
+  </p:clrMapOvr>
+</p:notes>
+</file>
+
+<file path=ppt/notesSlides/notesSlide4.xml><?xml version="1.0" encoding="utf-8"?>
+<p:notes xmlns:a="http://schemas.openxmlformats.org/drawingml/2006/main" xmlns:r="http://schemas.openxmlformats.org/officeDocument/2006/relationships" xmlns:p="http://schemas.openxmlformats.org/presentationml/2006/main">
+  <p:cSld>
+    <p:spTree>
+      <p:nvGrpSpPr>
+        <p:cNvPr id="1" name=""/>
+        <p:cNvGrpSpPr/>
+        <p:nvPr/>
+      </p:nvGrpSpPr>
+      <p:grpSpPr>
+        <a:xfrm>
+          <a:off x="0" y="0"/>
+          <a:ext cx="0" cy="0"/>
+          <a:chOff x="0" y="0"/>
+          <a:chExt cx="0" cy="0"/>
+        </a:xfrm>
+      </p:grpSpPr>
+      <p:sp>
+        <p:nvSpPr>
+          <p:cNvPr id="2" name="Marcador de Posição da Imagem do Diapositivo 1"/>
+          <p:cNvSpPr>
+            <a:spLocks noGrp="1" noRot="1" noChangeAspect="1"/>
+          </p:cNvSpPr>
+          <p:nvPr>
+            <p:ph type="sldImg"/>
+          </p:nvPr>
+        </p:nvSpPr>
+        <p:spPr/>
+      </p:sp>
+      <p:sp>
+        <p:nvSpPr>
+          <p:cNvPr id="3" name="Marcador de Posição de Notas 2"/>
+          <p:cNvSpPr>
+            <a:spLocks noGrp="1"/>
+          </p:cNvSpPr>
+          <p:nvPr>
+            <p:ph type="body" idx="1"/>
+          </p:nvPr>
+        </p:nvSpPr>
+        <p:spPr/>
+        <p:txBody>
+          <a:bodyPr/>
+          <a:lstStyle/>
+          <a:p>
+            <a:pPr marL="171450" indent="-171450">
+              <a:buFont typeface="Arial" panose="020B0604020202020204" pitchFamily="34" charset="0"/>
+              <a:buChar char="•"/>
+            </a:pPr>
+            <a:r>
+              <a:rPr lang="pt-PT" dirty="0" smtClean="0"/>
+              <a:t>Relativamente</a:t>
+            </a:r>
+            <a:r>
+              <a:rPr lang="pt-PT" baseline="0" dirty="0" smtClean="0"/>
+              <a:t> às </a:t>
+            </a:r>
+            <a:r>
+              <a:rPr lang="pt-PT" baseline="0" dirty="0" err="1" smtClean="0"/>
+              <a:t>views</a:t>
+            </a:r>
+            <a:r>
+              <a:rPr lang="pt-PT" baseline="0" dirty="0" smtClean="0"/>
+              <a:t> criadas, foi só considerada a vista do utilizador, isto é, um cliente da empresa.</a:t>
+            </a:r>
+            <a:endParaRPr lang="pt-PT" dirty="0" smtClean="0"/>
+          </a:p>
+          <a:p>
+            <a:pPr marL="171450" indent="-171450">
+              <a:buFont typeface="Arial" panose="020B0604020202020204" pitchFamily="34" charset="0"/>
+              <a:buChar char="•"/>
+            </a:pPr>
+            <a:r>
+              <a:rPr lang="pt-PT" dirty="0" smtClean="0"/>
+              <a:t>Podiam</a:t>
+            </a:r>
+            <a:r>
+              <a:rPr lang="pt-PT" baseline="0" dirty="0" smtClean="0"/>
+              <a:t> ter sidas criadas mais </a:t>
+            </a:r>
+            <a:r>
+              <a:rPr lang="pt-PT" baseline="0" dirty="0" err="1" smtClean="0"/>
+              <a:t>views</a:t>
+            </a:r>
+            <a:r>
+              <a:rPr lang="pt-PT" baseline="0" dirty="0" smtClean="0"/>
+              <a:t> como gestão, onde se poderia ver </a:t>
+            </a:r>
+            <a:r>
+              <a:rPr lang="pt-PT" baseline="0" dirty="0" err="1" smtClean="0"/>
+              <a:t>p.e</a:t>
+            </a:r>
+            <a:r>
+              <a:rPr lang="pt-PT" baseline="0" dirty="0" smtClean="0"/>
+              <a:t> faturações, destinos mais populares, viagens com pouca aderência</a:t>
+            </a:r>
+          </a:p>
+          <a:p>
+            <a:pPr marL="171450" indent="-171450">
+              <a:buFont typeface="Arial" panose="020B0604020202020204" pitchFamily="34" charset="0"/>
+              <a:buChar char="•"/>
+            </a:pPr>
+            <a:r>
+              <a:rPr lang="pt-PT" baseline="0" dirty="0" smtClean="0"/>
+              <a:t>Decidimos não fazer outras inicialmente, uma vez que consideramos a </a:t>
+            </a:r>
+            <a:r>
+              <a:rPr lang="pt-PT" baseline="0" dirty="0" err="1" smtClean="0"/>
+              <a:t>view</a:t>
+            </a:r>
+            <a:r>
+              <a:rPr lang="pt-PT" baseline="0" dirty="0" smtClean="0"/>
+              <a:t> do cliente a fundamental. </a:t>
+            </a:r>
+            <a:r>
+              <a:rPr lang="pt-PT" baseline="0" dirty="0" err="1" smtClean="0"/>
+              <a:t>Teriamos</a:t>
+            </a:r>
+            <a:r>
+              <a:rPr lang="pt-PT" baseline="0" dirty="0" smtClean="0"/>
+              <a:t> mudado se tivéssemos tempo, o que acabou por não acontecer.</a:t>
+            </a:r>
+          </a:p>
+          <a:p>
+            <a:pPr marL="171450" indent="-171450">
+              <a:buFont typeface="Arial" panose="020B0604020202020204" pitchFamily="34" charset="0"/>
+              <a:buChar char="•"/>
+            </a:pPr>
+            <a:r>
+              <a:rPr lang="pt-PT" baseline="0" dirty="0" smtClean="0"/>
+              <a:t>Portanto, as </a:t>
+            </a:r>
+            <a:r>
+              <a:rPr lang="pt-PT" baseline="0" dirty="0" err="1" smtClean="0"/>
+              <a:t>views</a:t>
+            </a:r>
+            <a:r>
+              <a:rPr lang="pt-PT" baseline="0" dirty="0" smtClean="0"/>
+              <a:t> do cliente são as seguintes:</a:t>
+            </a:r>
+            <a:endParaRPr lang="pt-PT" dirty="0"/>
+          </a:p>
+        </p:txBody>
+      </p:sp>
+      <p:sp>
+        <p:nvSpPr>
+          <p:cNvPr id="4" name="Marcador de Posição do Número do Diapositivo 3"/>
+          <p:cNvSpPr>
+            <a:spLocks noGrp="1"/>
+          </p:cNvSpPr>
+          <p:nvPr>
+            <p:ph type="sldNum" sz="quarter" idx="10"/>
+          </p:nvPr>
+        </p:nvSpPr>
+        <p:spPr/>
+        <p:txBody>
+          <a:bodyPr/>
+          <a:lstStyle/>
+          <a:p>
+            <a:fld id="{A5877D2F-0EDF-4B34-9DA8-9C05239D1FC8}" type="slidenum">
+              <a:rPr lang="pt-PT" smtClean="0"/>
+              <a:t>4</a:t>
+            </a:fld>
+            <a:endParaRPr lang="pt-PT"/>
+          </a:p>
+        </p:txBody>
+      </p:sp>
+    </p:spTree>
+    <p:extLst>
+      <p:ext uri="{BB962C8B-B14F-4D97-AF65-F5344CB8AC3E}">
+        <p14:creationId xmlns:p14="http://schemas.microsoft.com/office/powerpoint/2010/main" val="1427764389"/>
+      </p:ext>
+    </p:extLst>
+  </p:cSld>
+  <p:clrMapOvr>
+    <a:masterClrMapping/>
+  </p:clrMapOvr>
+</p:notes>
+</file>
+
+<file path=ppt/notesSlides/notesSlide5.xml><?xml version="1.0" encoding="utf-8"?>
+<p:notes xmlns:a="http://schemas.openxmlformats.org/drawingml/2006/main" xmlns:r="http://schemas.openxmlformats.org/officeDocument/2006/relationships" xmlns:p="http://schemas.openxmlformats.org/presentationml/2006/main">
+  <p:cSld>
+    <p:spTree>
+      <p:nvGrpSpPr>
+        <p:cNvPr id="1" name=""/>
+        <p:cNvGrpSpPr/>
+        <p:nvPr/>
+      </p:nvGrpSpPr>
+      <p:grpSpPr>
+        <a:xfrm>
+          <a:off x="0" y="0"/>
+          <a:ext cx="0" cy="0"/>
+          <a:chOff x="0" y="0"/>
+          <a:chExt cx="0" cy="0"/>
+        </a:xfrm>
+      </p:grpSpPr>
+      <p:sp>
+        <p:nvSpPr>
+          <p:cNvPr id="2" name="Marcador de Posição da Imagem do Diapositivo 1"/>
+          <p:cNvSpPr>
+            <a:spLocks noGrp="1" noRot="1" noChangeAspect="1"/>
+          </p:cNvSpPr>
+          <p:nvPr>
+            <p:ph type="sldImg"/>
+          </p:nvPr>
+        </p:nvSpPr>
+        <p:spPr/>
+      </p:sp>
+      <p:sp>
+        <p:nvSpPr>
+          <p:cNvPr id="3" name="Marcador de Posição de Notas 2"/>
+          <p:cNvSpPr>
+            <a:spLocks noGrp="1"/>
+          </p:cNvSpPr>
+          <p:nvPr>
+            <p:ph type="body" idx="1"/>
+          </p:nvPr>
+        </p:nvSpPr>
+        <p:spPr/>
+        <p:txBody>
+          <a:bodyPr/>
+          <a:lstStyle/>
+          <a:p>
+            <a:pPr marL="171450" indent="-171450">
+              <a:buFontTx/>
+              <a:buChar char="-"/>
+            </a:pPr>
+            <a:r>
+              <a:rPr lang="pt-PT" baseline="0" dirty="0" smtClean="0"/>
+              <a:t>Usou-se a metodologia presente no  livro </a:t>
+            </a:r>
+            <a:r>
+              <a:rPr lang="pt-PT" baseline="0" dirty="0" err="1" smtClean="0"/>
+              <a:t>Database</a:t>
+            </a:r>
+            <a:r>
+              <a:rPr lang="pt-PT" baseline="0" dirty="0" smtClean="0"/>
+              <a:t> </a:t>
+            </a:r>
+            <a:r>
+              <a:rPr lang="pt-PT" baseline="0" dirty="0" err="1" smtClean="0"/>
+              <a:t>Systems</a:t>
+            </a:r>
+            <a:endParaRPr lang="pt-PT" baseline="0" dirty="0" smtClean="0"/>
+          </a:p>
+          <a:p>
+            <a:pPr marL="171450" indent="-171450">
+              <a:buFontTx/>
+              <a:buChar char="-"/>
+            </a:pPr>
+            <a:r>
+              <a:rPr lang="pt-PT" baseline="0" dirty="0" smtClean="0"/>
+              <a:t>Após analise em grupo dos requisitos da empresa, chegou-se a acordo relativamente a algumas palavas chave</a:t>
+            </a:r>
+          </a:p>
+          <a:p>
+            <a:pPr marL="171450" indent="-171450">
+              <a:buFontTx/>
+              <a:buChar char="-"/>
+            </a:pPr>
+            <a:r>
+              <a:rPr lang="pt-PT" baseline="0" dirty="0" smtClean="0"/>
+              <a:t>Mencionar que lugares não iria ser um simples atributo, pode variar</a:t>
+            </a:r>
+            <a:endParaRPr lang="pt-PT" dirty="0"/>
+          </a:p>
+        </p:txBody>
+      </p:sp>
+      <p:sp>
+        <p:nvSpPr>
+          <p:cNvPr id="4" name="Marcador de Posição do Número do Diapositivo 3"/>
+          <p:cNvSpPr>
+            <a:spLocks noGrp="1"/>
+          </p:cNvSpPr>
+          <p:nvPr>
+            <p:ph type="sldNum" sz="quarter" idx="10"/>
+          </p:nvPr>
+        </p:nvSpPr>
+        <p:spPr/>
+        <p:txBody>
+          <a:bodyPr/>
+          <a:lstStyle/>
+          <a:p>
+            <a:fld id="{A5877D2F-0EDF-4B34-9DA8-9C05239D1FC8}" type="slidenum">
+              <a:rPr lang="pt-PT" smtClean="0"/>
+              <a:t>5</a:t>
+            </a:fld>
+            <a:endParaRPr lang="pt-PT"/>
+          </a:p>
+        </p:txBody>
+      </p:sp>
+    </p:spTree>
+    <p:extLst>
+      <p:ext uri="{BB962C8B-B14F-4D97-AF65-F5344CB8AC3E}">
+        <p14:creationId xmlns:p14="http://schemas.microsoft.com/office/powerpoint/2010/main" val="771578090"/>
+      </p:ext>
+    </p:extLst>
+  </p:cSld>
+  <p:clrMapOvr>
+    <a:masterClrMapping/>
+  </p:clrMapOvr>
+</p:notes>
+</file>
+
+<file path=ppt/notesSlides/notesSlide6.xml><?xml version="1.0" encoding="utf-8"?>
+<p:notes xmlns:a="http://schemas.openxmlformats.org/drawingml/2006/main" xmlns:r="http://schemas.openxmlformats.org/officeDocument/2006/relationships" xmlns:p="http://schemas.openxmlformats.org/presentationml/2006/main">
+  <p:cSld>
+    <p:spTree>
+      <p:nvGrpSpPr>
+        <p:cNvPr id="1" name=""/>
+        <p:cNvGrpSpPr/>
+        <p:nvPr/>
+      </p:nvGrpSpPr>
+      <p:grpSpPr>
+        <a:xfrm>
+          <a:off x="0" y="0"/>
+          <a:ext cx="0" cy="0"/>
+          <a:chOff x="0" y="0"/>
+          <a:chExt cx="0" cy="0"/>
+        </a:xfrm>
+      </p:grpSpPr>
+      <p:sp>
+        <p:nvSpPr>
+          <p:cNvPr id="2" name="Marcador de Posição da Imagem do Diapositivo 1"/>
+          <p:cNvSpPr>
+            <a:spLocks noGrp="1" noRot="1" noChangeAspect="1"/>
+          </p:cNvSpPr>
+          <p:nvPr>
+            <p:ph type="sldImg"/>
+          </p:nvPr>
+        </p:nvSpPr>
+        <p:spPr/>
+      </p:sp>
+      <p:sp>
+        <p:nvSpPr>
+          <p:cNvPr id="3" name="Marcador de Posição de Notas 2"/>
+          <p:cNvSpPr>
+            <a:spLocks noGrp="1"/>
+          </p:cNvSpPr>
+          <p:nvPr>
+            <p:ph type="body" idx="1"/>
+          </p:nvPr>
+        </p:nvSpPr>
+        <p:spPr/>
+        <p:txBody>
+          <a:bodyPr/>
+          <a:lstStyle/>
+          <a:p>
+            <a:r>
+              <a:rPr lang="pt-PT" dirty="0" smtClean="0"/>
+              <a:t>Explicar modelo relacional.</a:t>
+            </a:r>
+          </a:p>
+          <a:p>
+            <a:r>
+              <a:rPr lang="pt-PT" dirty="0" smtClean="0"/>
+              <a:t>MENCIONAR</a:t>
+            </a:r>
+            <a:r>
+              <a:rPr lang="pt-PT" baseline="0" dirty="0" smtClean="0"/>
+              <a:t> que no relatório tem e erro e ambos os lugares Lugar_Comboio e Lugar_Reserva são compostos, com os tais atributos.</a:t>
+            </a:r>
+            <a:endParaRPr lang="pt-PT" dirty="0"/>
+          </a:p>
+        </p:txBody>
+      </p:sp>
+      <p:sp>
+        <p:nvSpPr>
+          <p:cNvPr id="4" name="Marcador de Posição do Número do Diapositivo 3"/>
+          <p:cNvSpPr>
+            <a:spLocks noGrp="1"/>
+          </p:cNvSpPr>
+          <p:nvPr>
+            <p:ph type="sldNum" sz="quarter" idx="10"/>
+          </p:nvPr>
+        </p:nvSpPr>
+        <p:spPr/>
+        <p:txBody>
+          <a:bodyPr/>
+          <a:lstStyle/>
+          <a:p>
+            <a:fld id="{A5877D2F-0EDF-4B34-9DA8-9C05239D1FC8}" type="slidenum">
+              <a:rPr lang="pt-PT" smtClean="0"/>
+              <a:t>6</a:t>
+            </a:fld>
+            <a:endParaRPr lang="pt-PT"/>
+          </a:p>
+        </p:txBody>
+      </p:sp>
+    </p:spTree>
+    <p:extLst>
+      <p:ext uri="{BB962C8B-B14F-4D97-AF65-F5344CB8AC3E}">
+        <p14:creationId xmlns:p14="http://schemas.microsoft.com/office/powerpoint/2010/main" val="1098607485"/>
+      </p:ext>
+    </p:extLst>
+  </p:cSld>
+  <p:clrMapOvr>
+    <a:masterClrMapping/>
+  </p:clrMapOvr>
+</p:notes>
+</file>
+
+<file path=ppt/notesSlides/notesSlide7.xml><?xml version="1.0" encoding="utf-8"?>
+<p:notes xmlns:a="http://schemas.openxmlformats.org/drawingml/2006/main" xmlns:r="http://schemas.openxmlformats.org/officeDocument/2006/relationships" xmlns:p="http://schemas.openxmlformats.org/presentationml/2006/main">
+  <p:cSld>
+    <p:spTree>
+      <p:nvGrpSpPr>
+        <p:cNvPr id="1" name=""/>
+        <p:cNvGrpSpPr/>
+        <p:nvPr/>
+      </p:nvGrpSpPr>
+      <p:grpSpPr>
+        <a:xfrm>
+          <a:off x="0" y="0"/>
+          <a:ext cx="0" cy="0"/>
+          <a:chOff x="0" y="0"/>
+          <a:chExt cx="0" cy="0"/>
+        </a:xfrm>
+      </p:grpSpPr>
+      <p:sp>
+        <p:nvSpPr>
+          <p:cNvPr id="2" name="Marcador de Posição da Imagem do Diapositivo 1"/>
+          <p:cNvSpPr>
+            <a:spLocks noGrp="1" noRot="1" noChangeAspect="1"/>
+          </p:cNvSpPr>
+          <p:nvPr>
+            <p:ph type="sldImg"/>
+          </p:nvPr>
+        </p:nvSpPr>
+        <p:spPr/>
+      </p:sp>
+      <p:sp>
+        <p:nvSpPr>
+          <p:cNvPr id="3" name="Marcador de Posição de Notas 2"/>
+          <p:cNvSpPr>
+            <a:spLocks noGrp="1"/>
+          </p:cNvSpPr>
+          <p:nvPr>
+            <p:ph type="body" idx="1"/>
+          </p:nvPr>
+        </p:nvSpPr>
+        <p:spPr/>
+        <p:txBody>
+          <a:bodyPr/>
+          <a:lstStyle/>
+          <a:p>
+            <a:pPr marL="228600" marR="0" lvl="0" indent="-228600" algn="l" defTabSz="914400" rtl="0" eaLnBrk="1" fontAlgn="auto" latinLnBrk="0" hangingPunct="1">
+              <a:lnSpc>
+                <a:spcPct val="100000"/>
+              </a:lnSpc>
+              <a:spcBef>
+                <a:spcPts val="0"/>
+              </a:spcBef>
+              <a:spcAft>
+                <a:spcPts val="0"/>
+              </a:spcAft>
+              <a:buClrTx/>
+              <a:buSzTx/>
+              <a:buFontTx/>
+              <a:buAutoNum type="arabicPeriod"/>
+              <a:tabLst/>
+              <a:defRPr/>
+            </a:pPr>
+            <a:r>
+              <a:rPr lang="pt-PT" sz="1200" b="1" kern="1200" dirty="0" smtClean="0">
+                <a:solidFill>
+                  <a:schemeClr val="tx1"/>
+                </a:solidFill>
+                <a:effectLst/>
+                <a:latin typeface="+mn-lt"/>
+                <a:ea typeface="+mn-ea"/>
+                <a:cs typeface="+mn-cs"/>
+              </a:rPr>
+              <a:t>Entidades fortes</a:t>
+            </a:r>
+            <a:endParaRPr lang="pt-PT" sz="1200" kern="1200" dirty="0" smtClean="0">
+              <a:solidFill>
+                <a:schemeClr val="tx1"/>
+              </a:solidFill>
+              <a:effectLst/>
+              <a:latin typeface="+mn-lt"/>
+              <a:ea typeface="+mn-ea"/>
+              <a:cs typeface="+mn-cs"/>
+            </a:endParaRPr>
+          </a:p>
+          <a:p>
+            <a:pPr lvl="0"/>
+            <a:r>
+              <a:rPr lang="pt-PT" sz="1200" b="1" kern="1200" dirty="0" smtClean="0">
+                <a:solidFill>
+                  <a:schemeClr val="tx1"/>
+                </a:solidFill>
+                <a:effectLst/>
+                <a:latin typeface="+mn-lt"/>
+                <a:ea typeface="+mn-ea"/>
+                <a:cs typeface="+mn-cs"/>
+              </a:rPr>
+              <a:t>Entidades Fracas</a:t>
+            </a:r>
+            <a:endParaRPr lang="pt-PT" sz="1200" kern="1200" dirty="0" smtClean="0">
+              <a:solidFill>
+                <a:schemeClr val="tx1"/>
+              </a:solidFill>
+              <a:effectLst/>
+              <a:latin typeface="+mn-lt"/>
+              <a:ea typeface="+mn-ea"/>
+              <a:cs typeface="+mn-cs"/>
+            </a:endParaRPr>
+          </a:p>
+          <a:p>
+            <a:pPr marL="0" marR="0" lvl="0" indent="0" algn="l" defTabSz="914400" rtl="0" eaLnBrk="1" fontAlgn="auto" latinLnBrk="0" hangingPunct="1">
+              <a:lnSpc>
+                <a:spcPct val="100000"/>
+              </a:lnSpc>
+              <a:spcBef>
+                <a:spcPts val="0"/>
+              </a:spcBef>
+              <a:spcAft>
+                <a:spcPts val="0"/>
+              </a:spcAft>
+              <a:buClrTx/>
+              <a:buSzTx/>
+              <a:buFontTx/>
+              <a:buNone/>
+              <a:tabLst/>
+              <a:defRPr/>
+            </a:pPr>
+            <a:r>
+              <a:rPr lang="pt-PT" sz="1200" b="1" kern="1200" dirty="0" smtClean="0">
+                <a:solidFill>
+                  <a:schemeClr val="tx1"/>
+                </a:solidFill>
+                <a:effectLst/>
+                <a:latin typeface="+mn-lt"/>
+                <a:ea typeface="+mn-ea"/>
+                <a:cs typeface="+mn-cs"/>
+              </a:rPr>
+              <a:t>Relações 1 para N</a:t>
+            </a:r>
+            <a:endParaRPr lang="pt-PT" sz="1200" kern="1200" dirty="0" smtClean="0">
+              <a:solidFill>
+                <a:schemeClr val="tx1"/>
+              </a:solidFill>
+              <a:effectLst/>
+              <a:latin typeface="+mn-lt"/>
+              <a:ea typeface="+mn-ea"/>
+              <a:cs typeface="+mn-cs"/>
+            </a:endParaRPr>
+          </a:p>
+          <a:p>
+            <a:pPr marL="0" marR="0" lvl="0" indent="0" algn="l" defTabSz="914400" rtl="0" eaLnBrk="1" fontAlgn="auto" latinLnBrk="0" hangingPunct="1">
+              <a:lnSpc>
+                <a:spcPct val="100000"/>
+              </a:lnSpc>
+              <a:spcBef>
+                <a:spcPts val="0"/>
+              </a:spcBef>
+              <a:spcAft>
+                <a:spcPts val="0"/>
+              </a:spcAft>
+              <a:buClrTx/>
+              <a:buSzTx/>
+              <a:buFontTx/>
+              <a:buNone/>
+              <a:tabLst/>
+              <a:defRPr/>
+            </a:pPr>
+            <a:r>
+              <a:rPr lang="pt-PT" sz="1200" b="1" kern="1200" dirty="0" smtClean="0">
+                <a:solidFill>
+                  <a:schemeClr val="tx1"/>
+                </a:solidFill>
+                <a:effectLst/>
+                <a:latin typeface="+mn-lt"/>
+                <a:ea typeface="+mn-ea"/>
+                <a:cs typeface="+mn-cs"/>
+              </a:rPr>
+              <a:t>Relações 1 para 1 </a:t>
+            </a:r>
+            <a:r>
+              <a:rPr lang="pt-PT" sz="1200" b="0" kern="1200" dirty="0" smtClean="0">
+                <a:solidFill>
+                  <a:schemeClr val="tx1"/>
+                </a:solidFill>
+                <a:effectLst/>
+                <a:latin typeface="+mn-lt"/>
+                <a:ea typeface="+mn-ea"/>
+                <a:cs typeface="+mn-cs"/>
+              </a:rPr>
+              <a:t>(n</a:t>
+            </a:r>
+            <a:r>
+              <a:rPr lang="pt-PT" sz="1200" b="0" kern="1200" baseline="0" dirty="0" smtClean="0">
+                <a:solidFill>
+                  <a:schemeClr val="tx1"/>
+                </a:solidFill>
+                <a:effectLst/>
+                <a:latin typeface="+mn-lt"/>
+                <a:ea typeface="+mn-ea"/>
+                <a:cs typeface="+mn-cs"/>
+              </a:rPr>
+              <a:t> existem)</a:t>
+            </a:r>
+          </a:p>
+          <a:p>
+            <a:pPr marL="0" marR="0" lvl="0" indent="0" algn="l" defTabSz="914400" rtl="0" eaLnBrk="1" fontAlgn="auto" latinLnBrk="0" hangingPunct="1">
+              <a:lnSpc>
+                <a:spcPct val="100000"/>
+              </a:lnSpc>
+              <a:spcBef>
+                <a:spcPts val="0"/>
+              </a:spcBef>
+              <a:spcAft>
+                <a:spcPts val="0"/>
+              </a:spcAft>
+              <a:buClrTx/>
+              <a:buSzTx/>
+              <a:buFontTx/>
+              <a:buNone/>
+              <a:tabLst/>
+              <a:defRPr/>
+            </a:pPr>
+            <a:r>
+              <a:rPr lang="pt-PT" sz="1200" b="1" kern="1200" dirty="0" smtClean="0">
+                <a:solidFill>
+                  <a:schemeClr val="tx1"/>
+                </a:solidFill>
+                <a:effectLst/>
+                <a:latin typeface="+mn-lt"/>
+                <a:ea typeface="+mn-ea"/>
+                <a:cs typeface="+mn-cs"/>
+              </a:rPr>
+              <a:t>Subclasses e Superclasses</a:t>
+            </a:r>
+            <a:endParaRPr lang="pt-PT" sz="1200" kern="1200" dirty="0" smtClean="0">
+              <a:solidFill>
+                <a:schemeClr val="tx1"/>
+              </a:solidFill>
+              <a:effectLst/>
+              <a:latin typeface="+mn-lt"/>
+              <a:ea typeface="+mn-ea"/>
+              <a:cs typeface="+mn-cs"/>
+            </a:endParaRPr>
+          </a:p>
+          <a:p>
+            <a:pPr marL="0" marR="0" lvl="0" indent="0" algn="l" defTabSz="914400" rtl="0" eaLnBrk="1" fontAlgn="auto" latinLnBrk="0" hangingPunct="1">
+              <a:lnSpc>
+                <a:spcPct val="100000"/>
+              </a:lnSpc>
+              <a:spcBef>
+                <a:spcPts val="0"/>
+              </a:spcBef>
+              <a:spcAft>
+                <a:spcPts val="0"/>
+              </a:spcAft>
+              <a:buClrTx/>
+              <a:buSzTx/>
+              <a:buFontTx/>
+              <a:buNone/>
+              <a:tabLst/>
+              <a:defRPr/>
+            </a:pPr>
+            <a:r>
+              <a:rPr lang="pt-PT" sz="1200" b="1" kern="1200" dirty="0" smtClean="0">
+                <a:solidFill>
+                  <a:schemeClr val="tx1"/>
+                </a:solidFill>
+                <a:effectLst/>
+                <a:latin typeface="+mn-lt"/>
+                <a:ea typeface="+mn-ea"/>
+                <a:cs typeface="+mn-cs"/>
+              </a:rPr>
+              <a:t>Relações N para N</a:t>
+            </a:r>
+            <a:endParaRPr lang="pt-PT" sz="1200" kern="1200" dirty="0" smtClean="0">
+              <a:solidFill>
+                <a:schemeClr val="tx1"/>
+              </a:solidFill>
+              <a:effectLst/>
+              <a:latin typeface="+mn-lt"/>
+              <a:ea typeface="+mn-ea"/>
+              <a:cs typeface="+mn-cs"/>
+            </a:endParaRPr>
+          </a:p>
+          <a:p>
+            <a:pPr marL="0" marR="0" lvl="0" indent="0" algn="l" defTabSz="914400" rtl="0" eaLnBrk="1" fontAlgn="auto" latinLnBrk="0" hangingPunct="1">
+              <a:lnSpc>
+                <a:spcPct val="100000"/>
+              </a:lnSpc>
+              <a:spcBef>
+                <a:spcPts val="0"/>
+              </a:spcBef>
+              <a:spcAft>
+                <a:spcPts val="0"/>
+              </a:spcAft>
+              <a:buClrTx/>
+              <a:buSzTx/>
+              <a:buFontTx/>
+              <a:buNone/>
+              <a:tabLst/>
+              <a:defRPr/>
+            </a:pPr>
+            <a:r>
+              <a:rPr lang="pt-PT" sz="1200" b="1" kern="1200" dirty="0" smtClean="0">
+                <a:solidFill>
+                  <a:schemeClr val="tx1"/>
+                </a:solidFill>
+                <a:effectLst/>
+                <a:latin typeface="+mn-lt"/>
+                <a:ea typeface="+mn-ea"/>
+                <a:cs typeface="+mn-cs"/>
+              </a:rPr>
+              <a:t>Relações complexas</a:t>
+            </a:r>
+            <a:endParaRPr lang="pt-PT" sz="1200" kern="1200" dirty="0" smtClean="0">
+              <a:solidFill>
+                <a:schemeClr val="tx1"/>
+              </a:solidFill>
+              <a:effectLst/>
+              <a:latin typeface="+mn-lt"/>
+              <a:ea typeface="+mn-ea"/>
+              <a:cs typeface="+mn-cs"/>
+            </a:endParaRPr>
+          </a:p>
+          <a:p>
+            <a:pPr marL="0" marR="0" lvl="0" indent="0" algn="l" defTabSz="914400" rtl="0" eaLnBrk="1" fontAlgn="auto" latinLnBrk="0" hangingPunct="1">
+              <a:lnSpc>
+                <a:spcPct val="100000"/>
+              </a:lnSpc>
+              <a:spcBef>
+                <a:spcPts val="0"/>
+              </a:spcBef>
+              <a:spcAft>
+                <a:spcPts val="0"/>
+              </a:spcAft>
+              <a:buClrTx/>
+              <a:buSzTx/>
+              <a:buFontTx/>
+              <a:buNone/>
+              <a:tabLst/>
+              <a:defRPr/>
+            </a:pPr>
+            <a:r>
+              <a:rPr lang="pt-PT" sz="1200" b="1" kern="1200" dirty="0" smtClean="0">
+                <a:solidFill>
+                  <a:schemeClr val="tx1"/>
+                </a:solidFill>
+                <a:effectLst/>
+                <a:latin typeface="+mn-lt"/>
+                <a:ea typeface="+mn-ea"/>
+                <a:cs typeface="+mn-cs"/>
+              </a:rPr>
+              <a:t>Atributos </a:t>
+            </a:r>
+            <a:r>
+              <a:rPr lang="pt-PT" sz="1200" b="1" kern="1200" dirty="0" err="1" smtClean="0">
+                <a:solidFill>
+                  <a:schemeClr val="tx1"/>
+                </a:solidFill>
+                <a:effectLst/>
+                <a:latin typeface="+mn-lt"/>
+                <a:ea typeface="+mn-ea"/>
+                <a:cs typeface="+mn-cs"/>
+              </a:rPr>
+              <a:t>Multivalorados</a:t>
+            </a:r>
+            <a:endParaRPr lang="pt-PT" sz="1200" b="1" kern="1200" dirty="0" smtClean="0">
+              <a:solidFill>
+                <a:schemeClr val="tx1"/>
+              </a:solidFill>
+              <a:effectLst/>
+              <a:latin typeface="+mn-lt"/>
+              <a:ea typeface="+mn-ea"/>
+              <a:cs typeface="+mn-cs"/>
+            </a:endParaRPr>
+          </a:p>
+          <a:p>
+            <a:pPr marL="0" marR="0" lvl="0" indent="0" algn="l" defTabSz="914400" rtl="0" eaLnBrk="1" fontAlgn="auto" latinLnBrk="0" hangingPunct="1">
+              <a:lnSpc>
+                <a:spcPct val="100000"/>
+              </a:lnSpc>
+              <a:spcBef>
+                <a:spcPts val="0"/>
+              </a:spcBef>
+              <a:spcAft>
+                <a:spcPts val="0"/>
+              </a:spcAft>
+              <a:buClrTx/>
+              <a:buSzTx/>
+              <a:buFontTx/>
+              <a:buNone/>
+              <a:tabLst/>
+              <a:defRPr/>
+            </a:pPr>
+            <a:r>
+              <a:rPr lang="pt-PT" sz="1200" b="1" kern="1200" dirty="0" smtClean="0">
+                <a:solidFill>
+                  <a:schemeClr val="tx1"/>
+                </a:solidFill>
+                <a:effectLst/>
+                <a:latin typeface="+mn-lt"/>
+                <a:ea typeface="+mn-ea"/>
+                <a:cs typeface="+mn-cs"/>
+              </a:rPr>
+              <a:t>	</a:t>
+            </a:r>
+            <a:r>
+              <a:rPr lang="pt-PT" sz="1200" b="0" kern="1200" dirty="0" smtClean="0">
+                <a:solidFill>
+                  <a:schemeClr val="tx1"/>
+                </a:solidFill>
+                <a:effectLst/>
+                <a:latin typeface="+mn-lt"/>
+                <a:ea typeface="+mn-ea"/>
+                <a:cs typeface="+mn-cs"/>
+              </a:rPr>
+              <a:t>daqui</a:t>
+            </a:r>
+            <a:r>
+              <a:rPr lang="pt-PT" sz="1200" b="0" kern="1200" baseline="0" dirty="0" smtClean="0">
+                <a:solidFill>
+                  <a:schemeClr val="tx1"/>
+                </a:solidFill>
+                <a:effectLst/>
+                <a:latin typeface="+mn-lt"/>
+                <a:ea typeface="+mn-ea"/>
+                <a:cs typeface="+mn-cs"/>
+              </a:rPr>
+              <a:t> </a:t>
+            </a:r>
+            <a:r>
+              <a:rPr lang="pt-PT" sz="1200" b="0" kern="1200" baseline="0" dirty="0" err="1" smtClean="0">
+                <a:solidFill>
+                  <a:schemeClr val="tx1"/>
+                </a:solidFill>
+                <a:effectLst/>
+                <a:latin typeface="+mn-lt"/>
+                <a:ea typeface="+mn-ea"/>
+                <a:cs typeface="+mn-cs"/>
+              </a:rPr>
+              <a:t>obtem-se</a:t>
+            </a:r>
+            <a:r>
+              <a:rPr lang="pt-PT" sz="1200" b="0" kern="1200" baseline="0" dirty="0" smtClean="0">
+                <a:solidFill>
+                  <a:schemeClr val="tx1"/>
+                </a:solidFill>
+                <a:effectLst/>
+                <a:latin typeface="+mn-lt"/>
+                <a:ea typeface="+mn-ea"/>
+                <a:cs typeface="+mn-cs"/>
+              </a:rPr>
+              <a:t> as tabelas </a:t>
+            </a:r>
+            <a:r>
+              <a:rPr lang="pt-PT" sz="1200" b="0" kern="1200" baseline="0" dirty="0" err="1" smtClean="0">
+                <a:solidFill>
+                  <a:schemeClr val="tx1"/>
+                </a:solidFill>
+                <a:effectLst/>
+                <a:latin typeface="+mn-lt"/>
+                <a:ea typeface="+mn-ea"/>
+                <a:cs typeface="+mn-cs"/>
+              </a:rPr>
+              <a:t>lugar_reserva</a:t>
+            </a:r>
+            <a:r>
+              <a:rPr lang="pt-PT" sz="1200" b="0" kern="1200" baseline="0" dirty="0" smtClean="0">
+                <a:solidFill>
+                  <a:schemeClr val="tx1"/>
+                </a:solidFill>
+                <a:effectLst/>
+                <a:latin typeface="+mn-lt"/>
+                <a:ea typeface="+mn-ea"/>
+                <a:cs typeface="+mn-cs"/>
+              </a:rPr>
+              <a:t> e </a:t>
+            </a:r>
+            <a:r>
+              <a:rPr lang="pt-PT" sz="1200" b="0" kern="1200" baseline="0" dirty="0" err="1" smtClean="0">
+                <a:solidFill>
+                  <a:schemeClr val="tx1"/>
+                </a:solidFill>
+                <a:effectLst/>
+                <a:latin typeface="+mn-lt"/>
+                <a:ea typeface="+mn-ea"/>
+                <a:cs typeface="+mn-cs"/>
+              </a:rPr>
+              <a:t>lugar_comboio</a:t>
+            </a:r>
+            <a:endParaRPr lang="pt-PT" sz="1200" kern="1200" dirty="0" smtClean="0">
+              <a:solidFill>
+                <a:schemeClr val="tx1"/>
+              </a:solidFill>
+              <a:effectLst/>
+              <a:latin typeface="+mn-lt"/>
+              <a:ea typeface="+mn-ea"/>
+              <a:cs typeface="+mn-cs"/>
+            </a:endParaRPr>
+          </a:p>
+          <a:p>
+            <a:pPr marL="0" marR="0" lvl="0" indent="0" algn="l" defTabSz="914400" rtl="0" eaLnBrk="1" fontAlgn="auto" latinLnBrk="0" hangingPunct="1">
+              <a:lnSpc>
+                <a:spcPct val="100000"/>
+              </a:lnSpc>
+              <a:spcBef>
+                <a:spcPts val="0"/>
+              </a:spcBef>
+              <a:spcAft>
+                <a:spcPts val="0"/>
+              </a:spcAft>
+              <a:buClrTx/>
+              <a:buSzTx/>
+              <a:buFontTx/>
+              <a:buNone/>
+              <a:tabLst/>
+              <a:defRPr/>
+            </a:pPr>
+            <a:endParaRPr lang="pt-PT" sz="1200" b="0" kern="1200" baseline="0" dirty="0" smtClean="0">
+              <a:solidFill>
+                <a:schemeClr val="tx1"/>
+              </a:solidFill>
+              <a:effectLst/>
+              <a:latin typeface="+mn-lt"/>
+              <a:ea typeface="+mn-ea"/>
+              <a:cs typeface="+mn-cs"/>
+            </a:endParaRPr>
+          </a:p>
+          <a:p>
+            <a:pPr marL="0" marR="0" lvl="0" indent="0" algn="l" defTabSz="914400" rtl="0" eaLnBrk="1" fontAlgn="auto" latinLnBrk="0" hangingPunct="1">
+              <a:lnSpc>
+                <a:spcPct val="100000"/>
+              </a:lnSpc>
+              <a:spcBef>
+                <a:spcPts val="0"/>
+              </a:spcBef>
+              <a:spcAft>
+                <a:spcPts val="0"/>
+              </a:spcAft>
+              <a:buClrTx/>
+              <a:buSzTx/>
+              <a:buFontTx/>
+              <a:buNone/>
+              <a:tabLst/>
+              <a:defRPr/>
+            </a:pPr>
+            <a:endParaRPr lang="pt-PT" sz="1200" b="0" kern="1200" baseline="0" dirty="0" smtClean="0">
+              <a:solidFill>
+                <a:schemeClr val="tx1"/>
+              </a:solidFill>
+              <a:effectLst/>
+              <a:latin typeface="+mn-lt"/>
+              <a:ea typeface="+mn-ea"/>
+              <a:cs typeface="+mn-cs"/>
+            </a:endParaRPr>
+          </a:p>
+          <a:p>
+            <a:pPr marL="0" marR="0" lvl="0" indent="0" algn="l" defTabSz="914400" rtl="0" eaLnBrk="1" fontAlgn="auto" latinLnBrk="0" hangingPunct="1">
+              <a:lnSpc>
+                <a:spcPct val="100000"/>
+              </a:lnSpc>
+              <a:spcBef>
+                <a:spcPts val="0"/>
+              </a:spcBef>
+              <a:spcAft>
+                <a:spcPts val="0"/>
+              </a:spcAft>
+              <a:buClrTx/>
+              <a:buSzTx/>
+              <a:buFontTx/>
+              <a:buNone/>
+              <a:tabLst/>
+              <a:defRPr/>
+            </a:pPr>
+            <a:endParaRPr lang="pt-PT" sz="1200" b="0" kern="1200" baseline="0" dirty="0" smtClean="0">
+              <a:solidFill>
+                <a:schemeClr val="tx1"/>
+              </a:solidFill>
+              <a:effectLst/>
+              <a:latin typeface="+mn-lt"/>
+              <a:ea typeface="+mn-ea"/>
+              <a:cs typeface="+mn-cs"/>
+            </a:endParaRPr>
+          </a:p>
+          <a:p>
+            <a:r>
+              <a:rPr lang="pt-PT" sz="1200" b="0" kern="1200" baseline="0" dirty="0" smtClean="0">
+                <a:solidFill>
+                  <a:schemeClr val="tx1"/>
+                </a:solidFill>
+                <a:effectLst/>
+                <a:latin typeface="+mn-lt"/>
+                <a:ea typeface="+mn-ea"/>
+                <a:cs typeface="+mn-cs"/>
+              </a:rPr>
+              <a:t>2. </a:t>
+            </a:r>
+            <a:endParaRPr lang="pt-PT" sz="1200" b="0" i="0" u="none" strike="noStrike" kern="1200" baseline="0" dirty="0" smtClean="0">
+              <a:solidFill>
+                <a:schemeClr val="tx1"/>
+              </a:solidFill>
+              <a:latin typeface="+mn-lt"/>
+              <a:ea typeface="+mn-ea"/>
+              <a:cs typeface="+mn-cs"/>
+            </a:endParaRPr>
+          </a:p>
+          <a:p>
+            <a:r>
+              <a:rPr lang="pt-PT" sz="1200" b="0" i="0" u="none" strike="noStrike" kern="1200" baseline="0" dirty="0" smtClean="0">
+                <a:solidFill>
+                  <a:schemeClr val="tx1"/>
+                </a:solidFill>
+                <a:latin typeface="+mn-lt"/>
+                <a:ea typeface="+mn-ea"/>
+                <a:cs typeface="+mn-cs"/>
+              </a:rPr>
+              <a:t> É uma forma de garantir que a BD está livre de certas características indesejáveis (anomalias no </a:t>
+            </a:r>
+            <a:r>
+              <a:rPr lang="pt-PT" sz="1200" b="0" i="0" u="none" strike="noStrike" kern="1200" baseline="0" dirty="0" err="1" smtClean="0">
+                <a:solidFill>
+                  <a:schemeClr val="tx1"/>
+                </a:solidFill>
+                <a:latin typeface="+mn-lt"/>
+                <a:ea typeface="+mn-ea"/>
+                <a:cs typeface="+mn-cs"/>
+              </a:rPr>
+              <a:t>insert</a:t>
+            </a:r>
+            <a:r>
+              <a:rPr lang="pt-PT" sz="1200" b="0" i="0" u="none" strike="noStrike" kern="1200" baseline="0" dirty="0" smtClean="0">
+                <a:solidFill>
+                  <a:schemeClr val="tx1"/>
+                </a:solidFill>
+                <a:latin typeface="+mn-lt"/>
+                <a:ea typeface="+mn-ea"/>
+                <a:cs typeface="+mn-cs"/>
+              </a:rPr>
+              <a:t>, </a:t>
+            </a:r>
+            <a:r>
+              <a:rPr lang="pt-PT" sz="1200" b="0" i="0" u="none" strike="noStrike" kern="1200" baseline="0" dirty="0" err="1" smtClean="0">
+                <a:solidFill>
+                  <a:schemeClr val="tx1"/>
+                </a:solidFill>
+                <a:latin typeface="+mn-lt"/>
+                <a:ea typeface="+mn-ea"/>
+                <a:cs typeface="+mn-cs"/>
+              </a:rPr>
+              <a:t>update</a:t>
+            </a:r>
+            <a:r>
+              <a:rPr lang="pt-PT" sz="1200" b="0" i="0" u="none" strike="noStrike" kern="1200" baseline="0" dirty="0" smtClean="0">
+                <a:solidFill>
+                  <a:schemeClr val="tx1"/>
+                </a:solidFill>
+                <a:latin typeface="+mn-lt"/>
+                <a:ea typeface="+mn-ea"/>
+                <a:cs typeface="+mn-cs"/>
+              </a:rPr>
+              <a:t> e delete), que poderão levar à perda da integridade de dados </a:t>
+            </a:r>
+          </a:p>
+          <a:p>
+            <a:endParaRPr lang="pt-PT" sz="1200" b="0" i="0" u="none" strike="noStrike" kern="1200" baseline="0" dirty="0" smtClean="0">
+              <a:solidFill>
+                <a:schemeClr val="tx1"/>
+              </a:solidFill>
+              <a:effectLst/>
+              <a:latin typeface="+mn-lt"/>
+              <a:ea typeface="+mn-ea"/>
+              <a:cs typeface="+mn-cs"/>
+            </a:endParaRPr>
+          </a:p>
+          <a:p>
+            <a:r>
+              <a:rPr lang="pt-PT" sz="1200" b="0" i="0" u="none" strike="noStrike" kern="1200" baseline="0" dirty="0" smtClean="0">
+                <a:solidFill>
+                  <a:schemeClr val="tx1"/>
+                </a:solidFill>
+                <a:effectLst/>
+                <a:latin typeface="+mn-lt"/>
+                <a:ea typeface="+mn-ea"/>
+                <a:cs typeface="+mn-cs"/>
+              </a:rPr>
+              <a:t>3. Usou-se álgebra relacional para verificar de que maneira se obteria dados das tabelas</a:t>
+            </a:r>
+          </a:p>
+          <a:p>
+            <a:endParaRPr lang="pt-PT" sz="1200" b="0" i="0" u="none" strike="noStrike" kern="1200" baseline="0" dirty="0" smtClean="0">
+              <a:solidFill>
+                <a:schemeClr val="tx1"/>
+              </a:solidFill>
+              <a:effectLst/>
+              <a:latin typeface="+mn-lt"/>
+              <a:ea typeface="+mn-ea"/>
+              <a:cs typeface="+mn-cs"/>
+            </a:endParaRPr>
+          </a:p>
+          <a:p>
+            <a:r>
+              <a:rPr lang="pt-PT" sz="1200" b="0" i="0" u="none" strike="noStrike" kern="1200" baseline="0" dirty="0" smtClean="0">
+                <a:solidFill>
+                  <a:schemeClr val="tx1"/>
+                </a:solidFill>
+                <a:effectLst/>
+                <a:latin typeface="+mn-lt"/>
+                <a:ea typeface="+mn-ea"/>
+                <a:cs typeface="+mn-cs"/>
+              </a:rPr>
+              <a:t>4.</a:t>
+            </a:r>
+          </a:p>
+        </p:txBody>
+      </p:sp>
+      <p:sp>
+        <p:nvSpPr>
+          <p:cNvPr id="4" name="Marcador de Posição do Número do Diapositivo 3"/>
+          <p:cNvSpPr>
+            <a:spLocks noGrp="1"/>
+          </p:cNvSpPr>
+          <p:nvPr>
+            <p:ph type="sldNum" sz="quarter" idx="10"/>
+          </p:nvPr>
+        </p:nvSpPr>
+        <p:spPr/>
+        <p:txBody>
+          <a:bodyPr/>
+          <a:lstStyle/>
+          <a:p>
+            <a:fld id="{A5877D2F-0EDF-4B34-9DA8-9C05239D1FC8}" type="slidenum">
+              <a:rPr lang="pt-PT" smtClean="0"/>
+              <a:t>7</a:t>
+            </a:fld>
+            <a:endParaRPr lang="pt-PT"/>
+          </a:p>
+        </p:txBody>
+      </p:sp>
+    </p:spTree>
+    <p:extLst>
+      <p:ext uri="{BB962C8B-B14F-4D97-AF65-F5344CB8AC3E}">
+        <p14:creationId xmlns:p14="http://schemas.microsoft.com/office/powerpoint/2010/main" val="1758489581"/>
+      </p:ext>
+    </p:extLst>
+  </p:cSld>
+  <p:clrMapOvr>
+    <a:masterClrMapping/>
+  </p:clrMapOvr>
+</p:notes>
+</file>
+
+<file path=ppt/notesSlides/notesSlide8.xml><?xml version="1.0" encoding="utf-8"?>
+<p:notes xmlns:a="http://schemas.openxmlformats.org/drawingml/2006/main" xmlns:r="http://schemas.openxmlformats.org/officeDocument/2006/relationships" xmlns:p="http://schemas.openxmlformats.org/presentationml/2006/main">
+  <p:cSld>
+    <p:spTree>
+      <p:nvGrpSpPr>
+        <p:cNvPr id="1" name=""/>
+        <p:cNvGrpSpPr/>
+        <p:nvPr/>
+      </p:nvGrpSpPr>
+      <p:grpSpPr>
+        <a:xfrm>
+          <a:off x="0" y="0"/>
+          <a:ext cx="0" cy="0"/>
+          <a:chOff x="0" y="0"/>
+          <a:chExt cx="0" cy="0"/>
+        </a:xfrm>
+      </p:grpSpPr>
+      <p:sp>
+        <p:nvSpPr>
+          <p:cNvPr id="2" name="Marcador de Posição da Imagem do Diapositivo 1"/>
+          <p:cNvSpPr>
+            <a:spLocks noGrp="1" noRot="1" noChangeAspect="1"/>
+          </p:cNvSpPr>
+          <p:nvPr>
+            <p:ph type="sldImg"/>
+          </p:nvPr>
+        </p:nvSpPr>
+        <p:spPr/>
+      </p:sp>
+      <p:sp>
+        <p:nvSpPr>
+          <p:cNvPr id="3" name="Marcador de Posição de Notas 2"/>
+          <p:cNvSpPr>
+            <a:spLocks noGrp="1"/>
+          </p:cNvSpPr>
+          <p:nvPr>
+            <p:ph type="body" idx="1"/>
+          </p:nvPr>
+        </p:nvSpPr>
+        <p:spPr/>
+        <p:txBody>
+          <a:bodyPr/>
+          <a:lstStyle/>
+          <a:p>
+            <a:r>
+              <a:rPr lang="pt-PT" dirty="0" smtClean="0"/>
+              <a:t>[explicar]</a:t>
+            </a:r>
+            <a:endParaRPr lang="pt-PT" dirty="0"/>
+          </a:p>
+        </p:txBody>
+      </p:sp>
+      <p:sp>
+        <p:nvSpPr>
+          <p:cNvPr id="4" name="Marcador de Posição do Número do Diapositivo 3"/>
+          <p:cNvSpPr>
+            <a:spLocks noGrp="1"/>
+          </p:cNvSpPr>
+          <p:nvPr>
+            <p:ph type="sldNum" sz="quarter" idx="10"/>
+          </p:nvPr>
+        </p:nvSpPr>
+        <p:spPr/>
+        <p:txBody>
+          <a:bodyPr/>
+          <a:lstStyle/>
+          <a:p>
+            <a:fld id="{A5877D2F-0EDF-4B34-9DA8-9C05239D1FC8}" type="slidenum">
+              <a:rPr lang="pt-PT" smtClean="0"/>
+              <a:t>8</a:t>
+            </a:fld>
+            <a:endParaRPr lang="pt-PT"/>
+          </a:p>
+        </p:txBody>
+      </p:sp>
+    </p:spTree>
+    <p:extLst>
+      <p:ext uri="{BB962C8B-B14F-4D97-AF65-F5344CB8AC3E}">
+        <p14:creationId xmlns:p14="http://schemas.microsoft.com/office/powerpoint/2010/main" val="2942068506"/>
+      </p:ext>
+    </p:extLst>
+  </p:cSld>
+  <p:clrMapOvr>
+    <a:masterClrMapping/>
+  </p:clrMapOvr>
+</p:notes>
+</file>
+
+<file path=ppt/notesSlides/notesSlide9.xml><?xml version="1.0" encoding="utf-8"?>
+<p:notes xmlns:a="http://schemas.openxmlformats.org/drawingml/2006/main" xmlns:r="http://schemas.openxmlformats.org/officeDocument/2006/relationships" xmlns:p="http://schemas.openxmlformats.org/presentationml/2006/main">
+  <p:cSld>
+    <p:spTree>
+      <p:nvGrpSpPr>
+        <p:cNvPr id="1" name=""/>
+        <p:cNvGrpSpPr/>
+        <p:nvPr/>
+      </p:nvGrpSpPr>
+      <p:grpSpPr>
+        <a:xfrm>
+          <a:off x="0" y="0"/>
+          <a:ext cx="0" cy="0"/>
+          <a:chOff x="0" y="0"/>
+          <a:chExt cx="0" cy="0"/>
+        </a:xfrm>
+      </p:grpSpPr>
+      <p:sp>
+        <p:nvSpPr>
+          <p:cNvPr id="2" name="Marcador de Posição da Imagem do Diapositivo 1"/>
+          <p:cNvSpPr>
+            <a:spLocks noGrp="1" noRot="1" noChangeAspect="1"/>
+          </p:cNvSpPr>
+          <p:nvPr>
+            <p:ph type="sldImg"/>
+          </p:nvPr>
+        </p:nvSpPr>
+        <p:spPr/>
+      </p:sp>
+      <p:sp>
+        <p:nvSpPr>
+          <p:cNvPr id="3" name="Marcador de Posição de Notas 2"/>
+          <p:cNvSpPr>
+            <a:spLocks noGrp="1"/>
+          </p:cNvSpPr>
+          <p:nvPr>
+            <p:ph type="body" idx="1"/>
+          </p:nvPr>
+        </p:nvSpPr>
+        <p:spPr/>
+        <p:txBody>
+          <a:bodyPr/>
+          <a:lstStyle/>
+          <a:p>
+            <a:r>
+              <a:rPr lang="pt-PT" dirty="0" smtClean="0"/>
+              <a:t>1.</a:t>
+            </a:r>
+          </a:p>
+          <a:p>
+            <a:endParaRPr lang="pt-PT" dirty="0" smtClean="0"/>
+          </a:p>
+          <a:p>
+            <a:pPr marL="0" marR="0" lvl="0" indent="0" algn="l" defTabSz="914400" rtl="0" eaLnBrk="1" fontAlgn="auto" latinLnBrk="0" hangingPunct="1">
+              <a:lnSpc>
+                <a:spcPct val="100000"/>
+              </a:lnSpc>
+              <a:spcBef>
+                <a:spcPts val="0"/>
+              </a:spcBef>
+              <a:spcAft>
+                <a:spcPts val="0"/>
+              </a:spcAft>
+              <a:buClrTx/>
+              <a:buSzTx/>
+              <a:buFontTx/>
+              <a:buNone/>
+              <a:tabLst/>
+              <a:defRPr/>
+            </a:pPr>
+            <a:r>
+              <a:rPr lang="pt-PT" dirty="0" smtClean="0"/>
+              <a:t>2. </a:t>
+            </a:r>
+            <a:r>
+              <a:rPr lang="pt-PT" sz="1200" kern="1200" dirty="0" smtClean="0">
+                <a:solidFill>
+                  <a:schemeClr val="tx1"/>
+                </a:solidFill>
+                <a:effectLst/>
+                <a:latin typeface="+mn-lt"/>
+                <a:ea typeface="+mn-ea"/>
+                <a:cs typeface="+mn-cs"/>
+              </a:rPr>
+              <a:t>Neste ponto proceder-se-á análise de transações/relações do modelo físico de forma a entender de maneira mais exata a atividade nas diferentes tabelas. </a:t>
+            </a:r>
+          </a:p>
+          <a:p>
+            <a:endParaRPr lang="pt-PT" dirty="0" smtClean="0"/>
+          </a:p>
+          <a:p>
+            <a:endParaRPr lang="pt-PT" dirty="0"/>
+          </a:p>
+        </p:txBody>
+      </p:sp>
+      <p:sp>
+        <p:nvSpPr>
+          <p:cNvPr id="4" name="Marcador de Posição do Número do Diapositivo 3"/>
+          <p:cNvSpPr>
+            <a:spLocks noGrp="1"/>
+          </p:cNvSpPr>
+          <p:nvPr>
+            <p:ph type="sldNum" sz="quarter" idx="10"/>
+          </p:nvPr>
+        </p:nvSpPr>
+        <p:spPr/>
+        <p:txBody>
+          <a:bodyPr/>
+          <a:lstStyle/>
+          <a:p>
+            <a:fld id="{A5877D2F-0EDF-4B34-9DA8-9C05239D1FC8}" type="slidenum">
+              <a:rPr lang="pt-PT" smtClean="0"/>
+              <a:t>9</a:t>
+            </a:fld>
+            <a:endParaRPr lang="pt-PT"/>
+          </a:p>
+        </p:txBody>
+      </p:sp>
+    </p:spTree>
+    <p:extLst>
+      <p:ext uri="{BB962C8B-B14F-4D97-AF65-F5344CB8AC3E}">
+        <p14:creationId xmlns:p14="http://schemas.microsoft.com/office/powerpoint/2010/main" val="47113474"/>
       </p:ext>
     </p:extLst>
   </p:cSld>
@@ -919,7 +3730,7 @@
           <a:p>
             <a:fld id="{9E016143-E03C-4CFD-AFDC-14E5BDEA754C}" type="datetimeFigureOut">
               <a:rPr lang="en-US" dirty="0"/>
-              <a:t>1/25/2017</a:t>
+              <a:t>1/27/2017</a:t>
             </a:fld>
             <a:endParaRPr lang="en-US" dirty="0"/>
           </a:p>
@@ -1143,7 +3954,7 @@
           <a:p>
             <a:fld id="{C033E54A-A8CA-48C1-9504-691B58049D29}" type="datetimeFigureOut">
               <a:rPr lang="en-US" dirty="0"/>
-              <a:t>1/25/2017</a:t>
+              <a:t>1/27/2017</a:t>
             </a:fld>
             <a:endParaRPr lang="en-US" dirty="0"/>
           </a:p>
@@ -1318,7 +4129,7 @@
           <a:p>
             <a:fld id="{B5F6C806-BBF7-471C-9527-881CE2266695}" type="datetimeFigureOut">
               <a:rPr lang="en-US" dirty="0"/>
-              <a:t>1/25/2017</a:t>
+              <a:t>1/27/2017</a:t>
             </a:fld>
             <a:endParaRPr lang="en-US" dirty="0"/>
           </a:p>
@@ -1483,7 +4294,7 @@
           <a:p>
             <a:fld id="{78C94063-DF36-4330-A365-08DA1FA5B7D6}" type="datetimeFigureOut">
               <a:rPr lang="en-US" dirty="0"/>
-              <a:t>1/25/2017</a:t>
+              <a:t>1/27/2017</a:t>
             </a:fld>
             <a:endParaRPr lang="en-US" dirty="0"/>
           </a:p>
@@ -1732,7 +4543,7 @@
           <a:p>
             <a:fld id="{908A7C6C-0F39-4D70-8E8D-FE5B9C95FA73}" type="datetimeFigureOut">
               <a:rPr lang="en-US" dirty="0"/>
-              <a:t>1/25/2017</a:t>
+              <a:t>1/27/2017</a:t>
             </a:fld>
             <a:endParaRPr lang="en-US" dirty="0"/>
           </a:p>
@@ -2053,7 +4864,7 @@
           <a:p>
             <a:fld id="{DFCFA4AC-08CC-42CE-BD01-C191750A04EC}" type="datetimeFigureOut">
               <a:rPr lang="en-US" dirty="0"/>
-              <a:t>1/25/2017</a:t>
+              <a:t>1/27/2017</a:t>
             </a:fld>
             <a:endParaRPr lang="en-US" dirty="0"/>
           </a:p>
@@ -2499,7 +5310,7 @@
           <a:p>
             <a:fld id="{1BA7A723-92A7-435B-B681-F25B092FEFEB}" type="datetimeFigureOut">
               <a:rPr lang="en-US" dirty="0"/>
-              <a:t>1/25/2017</a:t>
+              <a:t>1/27/2017</a:t>
             </a:fld>
             <a:endParaRPr lang="en-US" dirty="0"/>
           </a:p>
@@ -2612,7 +5423,7 @@
           <a:p>
             <a:fld id="{4F170639-886C-4FCF-9EAB-ABB5DA3F3F4A}" type="datetimeFigureOut">
               <a:rPr lang="en-US" dirty="0"/>
-              <a:t>1/25/2017</a:t>
+              <a:t>1/27/2017</a:t>
             </a:fld>
             <a:endParaRPr lang="en-US" dirty="0"/>
           </a:p>
@@ -2702,7 +5513,7 @@
           <a:p>
             <a:fld id="{22230651-31F4-45D2-98AE-A2108F41BC07}" type="datetimeFigureOut">
               <a:rPr lang="en-US" dirty="0"/>
-              <a:t>1/25/2017</a:t>
+              <a:t>1/27/2017</a:t>
             </a:fld>
             <a:endParaRPr lang="en-US" dirty="0"/>
           </a:p>
@@ -2984,7 +5795,7 @@
           <a:p>
             <a:fld id="{6F53789A-C914-4DB1-8815-80B5EC7335C5}" type="datetimeFigureOut">
               <a:rPr lang="en-US" dirty="0"/>
-              <a:t>1/25/2017</a:t>
+              <a:t>1/27/2017</a:t>
             </a:fld>
             <a:endParaRPr lang="en-US" dirty="0"/>
           </a:p>
@@ -3304,7 +6115,7 @@
           <a:p>
             <a:fld id="{5E6440AA-91A0-436F-8FDB-C0F939DCAE21}" type="datetimeFigureOut">
               <a:rPr lang="en-US" dirty="0"/>
-              <a:t>1/25/2017</a:t>
+              <a:t>1/27/2017</a:t>
             </a:fld>
             <a:endParaRPr lang="en-US" dirty="0"/>
           </a:p>
@@ -3553,7 +6364,7 @@
           <a:p>
             <a:fld id="{0E59FD0C-5451-4CA0-86AF-E70AE3279989}" type="datetimeFigureOut">
               <a:rPr lang="en-US" dirty="0"/>
-              <a:t>1/25/2017</a:t>
+              <a:t>1/27/2017</a:t>
             </a:fld>
             <a:endParaRPr lang="en-US" dirty="0"/>
           </a:p>
@@ -5121,7 +7932,7 @@
           <p:nvPr/>
         </p:nvPicPr>
         <p:blipFill>
-          <a:blip r:embed="rId2">
+          <a:blip r:embed="rId3">
             <a:extLst>
               <a:ext uri="{28A0092B-C50C-407E-A947-70E740481C1C}">
                 <a14:useLocalDpi xmlns:a14="http://schemas.microsoft.com/office/drawing/2010/main" val="0"/>
@@ -6818,7 +9629,7 @@
           <p:nvPr/>
         </p:nvPicPr>
         <p:blipFill>
-          <a:blip r:embed="rId2">
+          <a:blip r:embed="rId3">
             <a:duotone>
               <a:prstClr val="black"/>
               <a:schemeClr val="accent1">
@@ -6866,7 +9677,7 @@
           <p:nvPr/>
         </p:nvPicPr>
         <p:blipFill>
-          <a:blip r:embed="rId3">
+          <a:blip r:embed="rId4">
             <a:duotone>
               <a:prstClr val="black"/>
               <a:srgbClr val="663300">
@@ -6914,7 +9725,7 @@
           <p:nvPr/>
         </p:nvPicPr>
         <p:blipFill>
-          <a:blip r:embed="rId4">
+          <a:blip r:embed="rId5">
             <a:extLst>
               <a:ext uri="{28A0092B-C50C-407E-A947-70E740481C1C}">
                 <a14:useLocalDpi xmlns:a14="http://schemas.microsoft.com/office/drawing/2010/main" val="0"/>
@@ -7614,6 +10425,441 @@
 </p:sld>
 </file>
 
+<file path=ppt/slides/slide17.xml><?xml version="1.0" encoding="utf-8"?>
+<p:sld xmlns:a="http://schemas.openxmlformats.org/drawingml/2006/main" xmlns:r="http://schemas.openxmlformats.org/officeDocument/2006/relationships" xmlns:p="http://schemas.openxmlformats.org/presentationml/2006/main">
+  <p:cSld>
+    <p:spTree>
+      <p:nvGrpSpPr>
+        <p:cNvPr id="1" name=""/>
+        <p:cNvGrpSpPr/>
+        <p:nvPr/>
+      </p:nvGrpSpPr>
+      <p:grpSpPr>
+        <a:xfrm>
+          <a:off x="0" y="0"/>
+          <a:ext cx="0" cy="0"/>
+          <a:chOff x="0" y="0"/>
+          <a:chExt cx="0" cy="0"/>
+        </a:xfrm>
+      </p:grpSpPr>
+      <p:sp>
+        <p:nvSpPr>
+          <p:cNvPr id="2" name="Título 1"/>
+          <p:cNvSpPr>
+            <a:spLocks noGrp="1"/>
+          </p:cNvSpPr>
+          <p:nvPr>
+            <p:ph type="ctrTitle"/>
+          </p:nvPr>
+        </p:nvSpPr>
+        <p:spPr/>
+        <p:txBody>
+          <a:bodyPr/>
+          <a:lstStyle/>
+          <a:p>
+            <a:r>
+              <a:rPr lang="pt-PT" dirty="0" smtClean="0">
+                <a:latin typeface="Helvetica" panose="020B0604020202020204" pitchFamily="34" charset="0"/>
+                <a:cs typeface="Helvetica" panose="020B0604020202020204" pitchFamily="34" charset="0"/>
+              </a:rPr>
+              <a:t>Reserva de Bilhetes</a:t>
+            </a:r>
+            <a:endParaRPr lang="pt-PT" dirty="0">
+              <a:latin typeface="Helvetica" panose="020B0604020202020204" pitchFamily="34" charset="0"/>
+              <a:cs typeface="Helvetica" panose="020B0604020202020204" pitchFamily="34" charset="0"/>
+            </a:endParaRPr>
+          </a:p>
+        </p:txBody>
+      </p:sp>
+      <p:sp>
+        <p:nvSpPr>
+          <p:cNvPr id="3" name="Subtítulo 2"/>
+          <p:cNvSpPr>
+            <a:spLocks noGrp="1"/>
+          </p:cNvSpPr>
+          <p:nvPr>
+            <p:ph type="subTitle" idx="1"/>
+          </p:nvPr>
+        </p:nvSpPr>
+        <p:spPr>
+          <a:xfrm>
+            <a:off x="1326609" y="4800600"/>
+            <a:ext cx="9418320" cy="459223"/>
+          </a:xfrm>
+        </p:spPr>
+        <p:txBody>
+          <a:bodyPr>
+            <a:normAutofit/>
+          </a:bodyPr>
+          <a:lstStyle/>
+          <a:p>
+            <a:r>
+              <a:rPr lang="pt-PT" dirty="0" smtClean="0">
+                <a:latin typeface="Helvetica" panose="020B0604020202020204" pitchFamily="34" charset="0"/>
+                <a:cs typeface="Helvetica" panose="020B0604020202020204" pitchFamily="34" charset="0"/>
+              </a:rPr>
+              <a:t>Base de Dados 2016/2017</a:t>
+            </a:r>
+          </a:p>
+        </p:txBody>
+      </p:sp>
+      <p:sp>
+        <p:nvSpPr>
+          <p:cNvPr id="4" name="Subtítulo 2"/>
+          <p:cNvSpPr txBox="1">
+            <a:spLocks/>
+          </p:cNvSpPr>
+          <p:nvPr/>
+        </p:nvSpPr>
+        <p:spPr>
+          <a:xfrm>
+            <a:off x="1326609" y="5259823"/>
+            <a:ext cx="1351855" cy="1505119"/>
+          </a:xfrm>
+          <a:prstGeom prst="rect">
+            <a:avLst/>
+          </a:prstGeom>
+        </p:spPr>
+        <p:txBody>
+          <a:bodyPr vert="horz" lIns="91440" tIns="45720" rIns="91440" bIns="45720" rtlCol="0">
+            <a:normAutofit/>
+          </a:bodyPr>
+          <a:lstStyle>
+            <a:lvl1pPr marL="0" indent="0" algn="l" defTabSz="914400" rtl="0" eaLnBrk="1" latinLnBrk="0" hangingPunct="1">
+              <a:lnSpc>
+                <a:spcPct val="95000"/>
+              </a:lnSpc>
+              <a:spcBef>
+                <a:spcPts val="1400"/>
+              </a:spcBef>
+              <a:spcAft>
+                <a:spcPts val="200"/>
+              </a:spcAft>
+              <a:buClr>
+                <a:schemeClr val="accent1"/>
+              </a:buClr>
+              <a:buSzPct val="80000"/>
+              <a:buFont typeface="Arial" pitchFamily="34" charset="0"/>
+              <a:buNone/>
+              <a:defRPr sz="2200" kern="1200" spc="10" baseline="0">
+                <a:solidFill>
+                  <a:schemeClr val="tx1">
+                    <a:lumMod val="75000"/>
+                  </a:schemeClr>
+                </a:solidFill>
+                <a:latin typeface="+mn-lt"/>
+                <a:ea typeface="+mn-ea"/>
+                <a:cs typeface="+mn-cs"/>
+              </a:defRPr>
+            </a:lvl1pPr>
+            <a:lvl2pPr marL="457200" indent="0" algn="ctr" defTabSz="914400" rtl="0" eaLnBrk="1" latinLnBrk="0" hangingPunct="1">
+              <a:lnSpc>
+                <a:spcPct val="90000"/>
+              </a:lnSpc>
+              <a:spcBef>
+                <a:spcPts val="300"/>
+              </a:spcBef>
+              <a:spcAft>
+                <a:spcPts val="300"/>
+              </a:spcAft>
+              <a:buClr>
+                <a:schemeClr val="accent1"/>
+              </a:buClr>
+              <a:buFont typeface="Wingdings 2" pitchFamily="18" charset="2"/>
+              <a:buNone/>
+              <a:defRPr sz="2200" kern="1200">
+                <a:solidFill>
+                  <a:schemeClr val="tx1">
+                    <a:lumMod val="85000"/>
+                    <a:lumOff val="15000"/>
+                  </a:schemeClr>
+                </a:solidFill>
+                <a:latin typeface="+mn-lt"/>
+                <a:ea typeface="+mn-ea"/>
+                <a:cs typeface="+mn-cs"/>
+              </a:defRPr>
+            </a:lvl2pPr>
+            <a:lvl3pPr marL="914400" indent="0" algn="ctr" defTabSz="914400" rtl="0" eaLnBrk="1" latinLnBrk="0" hangingPunct="1">
+              <a:lnSpc>
+                <a:spcPct val="90000"/>
+              </a:lnSpc>
+              <a:spcBef>
+                <a:spcPts val="300"/>
+              </a:spcBef>
+              <a:spcAft>
+                <a:spcPts val="300"/>
+              </a:spcAft>
+              <a:buClr>
+                <a:schemeClr val="accent1"/>
+              </a:buClr>
+              <a:buFont typeface="Wingdings 2" pitchFamily="18" charset="2"/>
+              <a:buNone/>
+              <a:defRPr sz="2200" kern="1200">
+                <a:solidFill>
+                  <a:schemeClr val="tx1">
+                    <a:lumMod val="85000"/>
+                    <a:lumOff val="15000"/>
+                  </a:schemeClr>
+                </a:solidFill>
+                <a:latin typeface="+mn-lt"/>
+                <a:ea typeface="+mn-ea"/>
+                <a:cs typeface="+mn-cs"/>
+              </a:defRPr>
+            </a:lvl3pPr>
+            <a:lvl4pPr marL="1371600" indent="0" algn="ctr" defTabSz="914400" rtl="0" eaLnBrk="1" latinLnBrk="0" hangingPunct="1">
+              <a:lnSpc>
+                <a:spcPct val="90000"/>
+              </a:lnSpc>
+              <a:spcBef>
+                <a:spcPts val="300"/>
+              </a:spcBef>
+              <a:spcAft>
+                <a:spcPts val="300"/>
+              </a:spcAft>
+              <a:buClr>
+                <a:schemeClr val="accent1"/>
+              </a:buClr>
+              <a:buFont typeface="Wingdings 2" pitchFamily="18" charset="2"/>
+              <a:buNone/>
+              <a:defRPr sz="2000" kern="1200">
+                <a:solidFill>
+                  <a:schemeClr val="tx1">
+                    <a:lumMod val="85000"/>
+                    <a:lumOff val="15000"/>
+                  </a:schemeClr>
+                </a:solidFill>
+                <a:latin typeface="+mn-lt"/>
+                <a:ea typeface="+mn-ea"/>
+                <a:cs typeface="+mn-cs"/>
+              </a:defRPr>
+            </a:lvl4pPr>
+            <a:lvl5pPr marL="1828800" indent="0" algn="ctr" defTabSz="914400" rtl="0" eaLnBrk="1" latinLnBrk="0" hangingPunct="1">
+              <a:lnSpc>
+                <a:spcPct val="90000"/>
+              </a:lnSpc>
+              <a:spcBef>
+                <a:spcPts val="300"/>
+              </a:spcBef>
+              <a:spcAft>
+                <a:spcPts val="300"/>
+              </a:spcAft>
+              <a:buClr>
+                <a:schemeClr val="accent1"/>
+              </a:buClr>
+              <a:buFont typeface="Wingdings 2" pitchFamily="18" charset="2"/>
+              <a:buNone/>
+              <a:defRPr sz="2000" kern="1200">
+                <a:solidFill>
+                  <a:schemeClr val="tx1">
+                    <a:lumMod val="85000"/>
+                    <a:lumOff val="15000"/>
+                  </a:schemeClr>
+                </a:solidFill>
+                <a:latin typeface="+mn-lt"/>
+                <a:ea typeface="+mn-ea"/>
+                <a:cs typeface="+mn-cs"/>
+              </a:defRPr>
+            </a:lvl5pPr>
+            <a:lvl6pPr marL="2286000" indent="0" algn="ctr" defTabSz="914400" rtl="0" eaLnBrk="1" latinLnBrk="0" hangingPunct="1">
+              <a:lnSpc>
+                <a:spcPct val="90000"/>
+              </a:lnSpc>
+              <a:spcBef>
+                <a:spcPts val="300"/>
+              </a:spcBef>
+              <a:spcAft>
+                <a:spcPts val="300"/>
+              </a:spcAft>
+              <a:buClr>
+                <a:schemeClr val="accent1"/>
+              </a:buClr>
+              <a:buFont typeface="Wingdings 2" pitchFamily="18" charset="2"/>
+              <a:buNone/>
+              <a:defRPr sz="2000" kern="1200">
+                <a:solidFill>
+                  <a:schemeClr val="tx1">
+                    <a:lumMod val="85000"/>
+                    <a:lumOff val="15000"/>
+                  </a:schemeClr>
+                </a:solidFill>
+                <a:latin typeface="+mn-lt"/>
+                <a:ea typeface="+mn-ea"/>
+                <a:cs typeface="+mn-cs"/>
+              </a:defRPr>
+            </a:lvl6pPr>
+            <a:lvl7pPr marL="2743200" indent="0" algn="ctr" defTabSz="914400" rtl="0" eaLnBrk="1" latinLnBrk="0" hangingPunct="1">
+              <a:lnSpc>
+                <a:spcPct val="90000"/>
+              </a:lnSpc>
+              <a:spcBef>
+                <a:spcPts val="300"/>
+              </a:spcBef>
+              <a:spcAft>
+                <a:spcPts val="300"/>
+              </a:spcAft>
+              <a:buClr>
+                <a:schemeClr val="accent1"/>
+              </a:buClr>
+              <a:buFont typeface="Wingdings 2" pitchFamily="18" charset="2"/>
+              <a:buNone/>
+              <a:defRPr sz="2000" kern="1200">
+                <a:solidFill>
+                  <a:schemeClr val="tx1">
+                    <a:lumMod val="85000"/>
+                    <a:lumOff val="15000"/>
+                  </a:schemeClr>
+                </a:solidFill>
+                <a:latin typeface="+mn-lt"/>
+                <a:ea typeface="+mn-ea"/>
+                <a:cs typeface="+mn-cs"/>
+              </a:defRPr>
+            </a:lvl7pPr>
+            <a:lvl8pPr marL="3200400" indent="0" algn="ctr" defTabSz="914400" rtl="0" eaLnBrk="1" latinLnBrk="0" hangingPunct="1">
+              <a:lnSpc>
+                <a:spcPct val="90000"/>
+              </a:lnSpc>
+              <a:spcBef>
+                <a:spcPts val="300"/>
+              </a:spcBef>
+              <a:spcAft>
+                <a:spcPts val="300"/>
+              </a:spcAft>
+              <a:buClr>
+                <a:schemeClr val="accent1"/>
+              </a:buClr>
+              <a:buFont typeface="Wingdings 2" pitchFamily="18" charset="2"/>
+              <a:buNone/>
+              <a:defRPr sz="2000" kern="1200">
+                <a:solidFill>
+                  <a:schemeClr val="tx1">
+                    <a:lumMod val="85000"/>
+                    <a:lumOff val="15000"/>
+                  </a:schemeClr>
+                </a:solidFill>
+                <a:latin typeface="+mn-lt"/>
+                <a:ea typeface="+mn-ea"/>
+                <a:cs typeface="+mn-cs"/>
+              </a:defRPr>
+            </a:lvl8pPr>
+            <a:lvl9pPr marL="3657600" indent="0" algn="ctr" defTabSz="914400" rtl="0" eaLnBrk="1" latinLnBrk="0" hangingPunct="1">
+              <a:lnSpc>
+                <a:spcPct val="90000"/>
+              </a:lnSpc>
+              <a:spcBef>
+                <a:spcPts val="300"/>
+              </a:spcBef>
+              <a:spcAft>
+                <a:spcPts val="300"/>
+              </a:spcAft>
+              <a:buClr>
+                <a:schemeClr val="accent1"/>
+              </a:buClr>
+              <a:buFont typeface="Wingdings 2" pitchFamily="18" charset="2"/>
+              <a:buNone/>
+              <a:defRPr sz="2000" kern="1200">
+                <a:solidFill>
+                  <a:schemeClr val="tx1">
+                    <a:lumMod val="85000"/>
+                    <a:lumOff val="15000"/>
+                  </a:schemeClr>
+                </a:solidFill>
+                <a:latin typeface="+mn-lt"/>
+                <a:ea typeface="+mn-ea"/>
+                <a:cs typeface="+mn-cs"/>
+              </a:defRPr>
+            </a:lvl9pPr>
+          </a:lstStyle>
+          <a:p>
+            <a:pPr algn="just">
+              <a:spcBef>
+                <a:spcPts val="0"/>
+              </a:spcBef>
+              <a:spcAft>
+                <a:spcPts val="0"/>
+              </a:spcAft>
+            </a:pPr>
+            <a:r>
+              <a:rPr lang="pt-PT" sz="1800" spc="-150" dirty="0" smtClean="0">
+                <a:solidFill>
+                  <a:schemeClr val="bg1">
+                    <a:lumMod val="50000"/>
+                    <a:lumOff val="50000"/>
+                  </a:schemeClr>
+                </a:solidFill>
+                <a:latin typeface="Helvetica" panose="020B0604020202020204" pitchFamily="34" charset="0"/>
+                <a:cs typeface="Helvetica" panose="020B0604020202020204" pitchFamily="34" charset="0"/>
+              </a:rPr>
+              <a:t>João Reis</a:t>
+            </a:r>
+          </a:p>
+          <a:p>
+            <a:pPr algn="just">
+              <a:spcBef>
+                <a:spcPts val="0"/>
+              </a:spcBef>
+              <a:spcAft>
+                <a:spcPts val="0"/>
+              </a:spcAft>
+            </a:pPr>
+            <a:r>
+              <a:rPr lang="pt-PT" sz="1800" spc="-150" dirty="0" smtClean="0">
+                <a:solidFill>
+                  <a:schemeClr val="bg1">
+                    <a:lumMod val="50000"/>
+                    <a:lumOff val="50000"/>
+                  </a:schemeClr>
+                </a:solidFill>
+                <a:latin typeface="Helvetica" panose="020B0604020202020204" pitchFamily="34" charset="0"/>
+                <a:cs typeface="Helvetica" panose="020B0604020202020204" pitchFamily="34" charset="0"/>
+              </a:rPr>
+              <a:t>João Gomes</a:t>
+            </a:r>
+          </a:p>
+          <a:p>
+            <a:pPr algn="just">
+              <a:spcBef>
+                <a:spcPts val="0"/>
+              </a:spcBef>
+              <a:spcAft>
+                <a:spcPts val="0"/>
+              </a:spcAft>
+            </a:pPr>
+            <a:r>
+              <a:rPr lang="pt-PT" sz="1800" spc="-150" dirty="0" smtClean="0">
+                <a:solidFill>
+                  <a:schemeClr val="bg1">
+                    <a:lumMod val="50000"/>
+                    <a:lumOff val="50000"/>
+                  </a:schemeClr>
+                </a:solidFill>
+                <a:latin typeface="Helvetica" panose="020B0604020202020204" pitchFamily="34" charset="0"/>
+                <a:cs typeface="Helvetica" panose="020B0604020202020204" pitchFamily="34" charset="0"/>
+              </a:rPr>
+              <a:t>Tiago Fraga</a:t>
+            </a:r>
+          </a:p>
+        </p:txBody>
+      </p:sp>
+    </p:spTree>
+    <p:extLst>
+      <p:ext uri="{BB962C8B-B14F-4D97-AF65-F5344CB8AC3E}">
+        <p14:creationId xmlns:p14="http://schemas.microsoft.com/office/powerpoint/2010/main" val="207115489"/>
+      </p:ext>
+    </p:extLst>
+  </p:cSld>
+  <p:clrMapOvr>
+    <a:masterClrMapping/>
+  </p:clrMapOvr>
+  <p:timing>
+    <p:tnLst>
+      <p:par>
+        <p:cTn id="1" dur="indefinite" restart="never" nodeType="tmRoot"/>
+      </p:par>
+    </p:tnLst>
+  </p:timing>
+</p:sld>
+</file>
+
 <file path=ppt/slides/slide2.xml><?xml version="1.0" encoding="utf-8"?>
 <p:sld xmlns:a="http://schemas.openxmlformats.org/drawingml/2006/main" xmlns:r="http://schemas.openxmlformats.org/officeDocument/2006/relationships" xmlns:p="http://schemas.openxmlformats.org/presentationml/2006/main">
   <p:cSld>
@@ -7663,7 +10909,7 @@
           <p:nvPr/>
         </p:nvPicPr>
         <p:blipFill>
-          <a:blip r:embed="rId2">
+          <a:blip r:embed="rId3">
             <a:extLst>
               <a:ext uri="{28A0092B-C50C-407E-A947-70E740481C1C}">
                 <a14:useLocalDpi xmlns:a14="http://schemas.microsoft.com/office/drawing/2010/main" val="0"/>
@@ -7705,6 +10951,14 @@
   <p:clrMapOvr>
     <a:masterClrMapping/>
   </p:clrMapOvr>
+  <mc:AlternateContent xmlns:mc="http://schemas.openxmlformats.org/markup-compatibility/2006" xmlns:p14="http://schemas.microsoft.com/office/powerpoint/2010/main">
+    <mc:Choice Requires="p14">
+      <p:transition p14:dur="0"/>
+    </mc:Choice>
+    <mc:Fallback xmlns="">
+      <p:transition/>
+    </mc:Fallback>
+  </mc:AlternateContent>
   <p:timing>
     <p:tnLst>
       <p:par>
@@ -7839,7 +11093,7 @@
           <p:nvPr/>
         </p:nvPicPr>
         <p:blipFill rotWithShape="1">
-          <a:blip r:embed="rId2">
+          <a:blip r:embed="rId3">
             <a:extLst>
               <a:ext uri="{28A0092B-C50C-407E-A947-70E740481C1C}">
                 <a14:useLocalDpi xmlns:a14="http://schemas.microsoft.com/office/drawing/2010/main" val="0"/>
@@ -7986,7 +11240,7 @@
           <p:nvPr/>
         </p:nvPicPr>
         <p:blipFill>
-          <a:blip r:embed="rId2">
+          <a:blip r:embed="rId3">
             <a:duotone>
               <a:schemeClr val="accent2">
                 <a:shade val="45000"/>
@@ -8816,7 +12070,6 @@
               <a:rPr lang="pt-PT" b="1" dirty="0" smtClean="0"/>
               <a:t>VIAGEM</a:t>
             </a:r>
-            <a:endParaRPr lang="pt-PT" b="1" dirty="0" smtClean="0"/>
           </a:p>
         </p:txBody>
       </p:sp>
@@ -9754,7 +13007,6 @@
               <a:rPr lang="pt-PT" b="1" dirty="0" smtClean="0"/>
               <a:t>RESERVA</a:t>
             </a:r>
-            <a:endParaRPr lang="pt-PT" b="1" dirty="0" smtClean="0"/>
           </a:p>
         </p:txBody>
       </p:sp>
@@ -10270,6 +13522,14 @@
   <p:clrMapOvr>
     <a:masterClrMapping/>
   </p:clrMapOvr>
+  <mc:AlternateContent xmlns:mc="http://schemas.openxmlformats.org/markup-compatibility/2006" xmlns:p14="http://schemas.microsoft.com/office/powerpoint/2010/main">
+    <mc:Choice Requires="p14">
+      <p:transition p14:dur="0"/>
+    </mc:Choice>
+    <mc:Fallback xmlns="">
+      <p:transition/>
+    </mc:Fallback>
+  </mc:AlternateContent>
   <p:timing>
     <p:tnLst>
       <p:par>
@@ -10343,7 +13603,7 @@
           <p:nvPr/>
         </p:nvPicPr>
         <p:blipFill rotWithShape="1">
-          <a:blip r:embed="rId2">
+          <a:blip r:embed="rId3">
             <a:clrChange>
               <a:clrFrom>
                 <a:srgbClr val="FFFFFF"/>
@@ -10457,6 +13717,10 @@
           <a:bodyPr/>
           <a:lstStyle/>
           <a:p>
+            <a:pPr marL="342900" indent="-342900">
+              <a:buFont typeface="+mj-lt"/>
+              <a:buAutoNum type="arabicPeriod"/>
+            </a:pPr>
             <a:r>
               <a:rPr lang="pt-PT" dirty="0" smtClean="0"/>
               <a:t>Derivar </a:t>
@@ -10471,12 +13735,20 @@
             </a:r>
           </a:p>
           <a:p>
+            <a:pPr marL="342900" indent="-342900">
+              <a:buFont typeface="+mj-lt"/>
+              <a:buAutoNum type="arabicPeriod"/>
+            </a:pPr>
             <a:r>
               <a:rPr lang="pt-PT" dirty="0" smtClean="0"/>
               <a:t>Normalização</a:t>
             </a:r>
           </a:p>
           <a:p>
+            <a:pPr marL="342900" indent="-342900">
+              <a:buFont typeface="+mj-lt"/>
+              <a:buAutoNum type="arabicPeriod"/>
+            </a:pPr>
             <a:r>
               <a:rPr lang="pt-PT" dirty="0" smtClean="0"/>
               <a:t>Validar </a:t>
@@ -10491,6 +13763,10 @@
             </a:r>
           </a:p>
           <a:p>
+            <a:pPr marL="342900" indent="-342900">
+              <a:buFont typeface="+mj-lt"/>
+              <a:buAutoNum type="arabicPeriod"/>
+            </a:pPr>
             <a:r>
               <a:rPr lang="pt-PT" dirty="0" smtClean="0"/>
               <a:t>Restrições </a:t>
@@ -10555,7 +13831,7 @@
           <p:nvPr/>
         </p:nvPicPr>
         <p:blipFill>
-          <a:blip r:embed="rId2">
+          <a:blip r:embed="rId3">
             <a:clrChange>
               <a:clrFrom>
                 <a:srgbClr val="E5E5E5"/>
